--- a/Mid Submission/Midpoint Submission - Online Retailer.pptx
+++ b/Mid Submission/Midpoint Submission - Online Retailer.pptx
@@ -8,17 +8,18 @@
   <p:sldIdLst>
     <p:sldId id="256" r:id="rId3"/>
     <p:sldId id="260" r:id="rId4"/>
-    <p:sldId id="271" r:id="rId5"/>
-    <p:sldId id="270" r:id="rId6"/>
-    <p:sldId id="269" r:id="rId7"/>
-    <p:sldId id="259" r:id="rId8"/>
-    <p:sldId id="267" r:id="rId9"/>
-    <p:sldId id="262" r:id="rId10"/>
-    <p:sldId id="261" r:id="rId11"/>
-    <p:sldId id="263" r:id="rId12"/>
-    <p:sldId id="264" r:id="rId13"/>
-    <p:sldId id="265" r:id="rId14"/>
-    <p:sldId id="266" r:id="rId15"/>
+    <p:sldId id="272" r:id="rId5"/>
+    <p:sldId id="271" r:id="rId6"/>
+    <p:sldId id="270" r:id="rId7"/>
+    <p:sldId id="269" r:id="rId8"/>
+    <p:sldId id="259" r:id="rId9"/>
+    <p:sldId id="267" r:id="rId10"/>
+    <p:sldId id="262" r:id="rId11"/>
+    <p:sldId id="261" r:id="rId12"/>
+    <p:sldId id="263" r:id="rId13"/>
+    <p:sldId id="264" r:id="rId14"/>
+    <p:sldId id="265" r:id="rId15"/>
+    <p:sldId id="266" r:id="rId16"/>
   </p:sldIdLst>
   <p:sldSz cx="12192000" cy="6858000"/>
   <p:notesSz cx="6858000" cy="9144000"/>
@@ -139,230 +140,6 @@
 
 <file path=ppt/changesInfos/changesInfo1.xml><?xml version="1.0" encoding="utf-8"?>
 <pc:chgInfo xmlns:a="http://schemas.openxmlformats.org/drawingml/2006/main" xmlns:r="http://schemas.openxmlformats.org/officeDocument/2006/relationships" xmlns:ac="http://schemas.microsoft.com/office/drawing/2013/main/command" xmlns:pc="http://schemas.microsoft.com/office/powerpoint/2013/main/command">
-  <pc:docChgLst>
-    <pc:chgData name="Ho Wa HUI" userId="e927a532-8ed5-44ad-b01b-167d5e91968d" providerId="ADAL" clId="{0B4270DC-B66F-496B-83D0-21A7D09B2F95}"/>
-    <pc:docChg chg="undo custSel addSld delSld modSld">
-      <pc:chgData name="Ho Wa HUI" userId="e927a532-8ed5-44ad-b01b-167d5e91968d" providerId="ADAL" clId="{0B4270DC-B66F-496B-83D0-21A7D09B2F95}" dt="2019-03-03T06:41:09.753" v="691" actId="20577"/>
-      <pc:docMkLst>
-        <pc:docMk/>
-      </pc:docMkLst>
-      <pc:sldChg chg="modSp add del">
-        <pc:chgData name="Ho Wa HUI" userId="e927a532-8ed5-44ad-b01b-167d5e91968d" providerId="ADAL" clId="{0B4270DC-B66F-496B-83D0-21A7D09B2F95}" dt="2019-03-03T05:52:27.110" v="23" actId="20577"/>
-        <pc:sldMkLst>
-          <pc:docMk/>
-          <pc:sldMk cId="1684129823" sldId="256"/>
-        </pc:sldMkLst>
-        <pc:spChg chg="mod">
-          <ac:chgData name="Ho Wa HUI" userId="e927a532-8ed5-44ad-b01b-167d5e91968d" providerId="ADAL" clId="{0B4270DC-B66F-496B-83D0-21A7D09B2F95}" dt="2019-03-03T05:52:27.110" v="23" actId="20577"/>
-          <ac:spMkLst>
-            <pc:docMk/>
-            <pc:sldMk cId="1684129823" sldId="256"/>
-            <ac:spMk id="3" creationId="{CC96A5CC-9106-4FDC-BDF5-2766EFEB8CBC}"/>
-          </ac:spMkLst>
-        </pc:spChg>
-      </pc:sldChg>
-      <pc:sldChg chg="modSp add">
-        <pc:chgData name="Ho Wa HUI" userId="e927a532-8ed5-44ad-b01b-167d5e91968d" providerId="ADAL" clId="{0B4270DC-B66F-496B-83D0-21A7D09B2F95}" dt="2019-03-03T05:55:05.298" v="29"/>
-        <pc:sldMkLst>
-          <pc:docMk/>
-          <pc:sldMk cId="1622195306" sldId="259"/>
-        </pc:sldMkLst>
-        <pc:spChg chg="mod">
-          <ac:chgData name="Ho Wa HUI" userId="e927a532-8ed5-44ad-b01b-167d5e91968d" providerId="ADAL" clId="{0B4270DC-B66F-496B-83D0-21A7D09B2F95}" dt="2019-03-03T05:54:29.710" v="28" actId="20577"/>
-          <ac:spMkLst>
-            <pc:docMk/>
-            <pc:sldMk cId="1622195306" sldId="259"/>
-            <ac:spMk id="2" creationId="{B38C2B6A-86F2-4FDF-A0C9-6E2BF5F4409B}"/>
-          </ac:spMkLst>
-        </pc:spChg>
-        <pc:spChg chg="mod">
-          <ac:chgData name="Ho Wa HUI" userId="e927a532-8ed5-44ad-b01b-167d5e91968d" providerId="ADAL" clId="{0B4270DC-B66F-496B-83D0-21A7D09B2F95}" dt="2019-03-03T05:55:05.298" v="29"/>
-          <ac:spMkLst>
-            <pc:docMk/>
-            <pc:sldMk cId="1622195306" sldId="259"/>
-            <ac:spMk id="3" creationId="{78972792-7B69-4281-9718-7848F331358E}"/>
-          </ac:spMkLst>
-        </pc:spChg>
-      </pc:sldChg>
-      <pc:sldChg chg="modSp add">
-        <pc:chgData name="Ho Wa HUI" userId="e927a532-8ed5-44ad-b01b-167d5e91968d" providerId="ADAL" clId="{0B4270DC-B66F-496B-83D0-21A7D09B2F95}" dt="2019-03-03T06:29:50.911" v="59" actId="20577"/>
-        <pc:sldMkLst>
-          <pc:docMk/>
-          <pc:sldMk cId="2206193353" sldId="260"/>
-        </pc:sldMkLst>
-        <pc:spChg chg="mod">
-          <ac:chgData name="Ho Wa HUI" userId="e927a532-8ed5-44ad-b01b-167d5e91968d" providerId="ADAL" clId="{0B4270DC-B66F-496B-83D0-21A7D09B2F95}" dt="2019-03-03T06:29:50.911" v="59" actId="20577"/>
-          <ac:spMkLst>
-            <pc:docMk/>
-            <pc:sldMk cId="2206193353" sldId="260"/>
-            <ac:spMk id="2" creationId="{5DD87689-DF5F-4C9B-894A-F9CF02BBBFB5}"/>
-          </ac:spMkLst>
-        </pc:spChg>
-      </pc:sldChg>
-      <pc:sldChg chg="addSp delSp modSp add">
-        <pc:chgData name="Ho Wa HUI" userId="e927a532-8ed5-44ad-b01b-167d5e91968d" providerId="ADAL" clId="{0B4270DC-B66F-496B-83D0-21A7D09B2F95}" dt="2019-03-03T06:39:40.626" v="605" actId="14100"/>
-        <pc:sldMkLst>
-          <pc:docMk/>
-          <pc:sldMk cId="656241323" sldId="261"/>
-        </pc:sldMkLst>
-        <pc:spChg chg="mod">
-          <ac:chgData name="Ho Wa HUI" userId="e927a532-8ed5-44ad-b01b-167d5e91968d" providerId="ADAL" clId="{0B4270DC-B66F-496B-83D0-21A7D09B2F95}" dt="2019-03-03T06:32:44.423" v="72" actId="20577"/>
-          <ac:spMkLst>
-            <pc:docMk/>
-            <pc:sldMk cId="656241323" sldId="261"/>
-            <ac:spMk id="2" creationId="{07BD11B5-98A9-4143-B05F-A0B33F86314E}"/>
-          </ac:spMkLst>
-        </pc:spChg>
-        <pc:spChg chg="del">
-          <ac:chgData name="Ho Wa HUI" userId="e927a532-8ed5-44ad-b01b-167d5e91968d" providerId="ADAL" clId="{0B4270DC-B66F-496B-83D0-21A7D09B2F95}" dt="2019-03-03T06:32:48.177" v="73"/>
-          <ac:spMkLst>
-            <pc:docMk/>
-            <pc:sldMk cId="656241323" sldId="261"/>
-            <ac:spMk id="3" creationId="{37F33E0B-68C8-45A2-AAE2-94BA6C166345}"/>
-          </ac:spMkLst>
-        </pc:spChg>
-        <pc:spChg chg="add del mod">
-          <ac:chgData name="Ho Wa HUI" userId="e927a532-8ed5-44ad-b01b-167d5e91968d" providerId="ADAL" clId="{0B4270DC-B66F-496B-83D0-21A7D09B2F95}" dt="2019-03-03T06:39:33.193" v="602" actId="478"/>
-          <ac:spMkLst>
-            <pc:docMk/>
-            <pc:sldMk cId="656241323" sldId="261"/>
-            <ac:spMk id="6" creationId="{0D7C460D-C32B-4CBE-A189-360CB6EFD692}"/>
-          </ac:spMkLst>
-        </pc:spChg>
-        <pc:picChg chg="add del mod modCrop">
-          <ac:chgData name="Ho Wa HUI" userId="e927a532-8ed5-44ad-b01b-167d5e91968d" providerId="ADAL" clId="{0B4270DC-B66F-496B-83D0-21A7D09B2F95}" dt="2019-03-03T06:39:06.763" v="595" actId="478"/>
-          <ac:picMkLst>
-            <pc:docMk/>
-            <pc:sldMk cId="656241323" sldId="261"/>
-            <ac:picMk id="4" creationId="{4B487BA6-40C1-4302-8016-FF8372FD284E}"/>
-          </ac:picMkLst>
-        </pc:picChg>
-        <pc:picChg chg="add del mod">
-          <ac:chgData name="Ho Wa HUI" userId="e927a532-8ed5-44ad-b01b-167d5e91968d" providerId="ADAL" clId="{0B4270DC-B66F-496B-83D0-21A7D09B2F95}" dt="2019-03-03T06:39:27.641" v="598" actId="478"/>
-          <ac:picMkLst>
-            <pc:docMk/>
-            <pc:sldMk cId="656241323" sldId="261"/>
-            <ac:picMk id="7" creationId="{5A2ECD45-D769-4E46-868A-64DEC3026F6D}"/>
-          </ac:picMkLst>
-        </pc:picChg>
-        <pc:picChg chg="add mod">
-          <ac:chgData name="Ho Wa HUI" userId="e927a532-8ed5-44ad-b01b-167d5e91968d" providerId="ADAL" clId="{0B4270DC-B66F-496B-83D0-21A7D09B2F95}" dt="2019-03-03T06:39:40.626" v="605" actId="14100"/>
-          <ac:picMkLst>
-            <pc:docMk/>
-            <pc:sldMk cId="656241323" sldId="261"/>
-            <ac:picMk id="8" creationId="{DFB2A8FD-CDBB-4947-9567-C1AD7DEC7D02}"/>
-          </ac:picMkLst>
-        </pc:picChg>
-      </pc:sldChg>
-      <pc:sldChg chg="addSp delSp modSp add">
-        <pc:chgData name="Ho Wa HUI" userId="e927a532-8ed5-44ad-b01b-167d5e91968d" providerId="ADAL" clId="{0B4270DC-B66F-496B-83D0-21A7D09B2F95}" dt="2019-03-03T06:37:26.286" v="594" actId="14100"/>
-        <pc:sldMkLst>
-          <pc:docMk/>
-          <pc:sldMk cId="702045019" sldId="262"/>
-        </pc:sldMkLst>
-        <pc:spChg chg="mod">
-          <ac:chgData name="Ho Wa HUI" userId="e927a532-8ed5-44ad-b01b-167d5e91968d" providerId="ADAL" clId="{0B4270DC-B66F-496B-83D0-21A7D09B2F95}" dt="2019-03-03T06:34:17.441" v="120" actId="20577"/>
-          <ac:spMkLst>
-            <pc:docMk/>
-            <pc:sldMk cId="702045019" sldId="262"/>
-            <ac:spMk id="2" creationId="{17F1CDD5-C66E-4EF8-B06E-52A681DC96E2}"/>
-          </ac:spMkLst>
-        </pc:spChg>
-        <pc:spChg chg="add">
-          <ac:chgData name="Ho Wa HUI" userId="e927a532-8ed5-44ad-b01b-167d5e91968d" providerId="ADAL" clId="{0B4270DC-B66F-496B-83D0-21A7D09B2F95}" dt="2019-03-03T06:34:28.890" v="121" actId="3680"/>
-          <ac:spMkLst>
-            <pc:docMk/>
-            <pc:sldMk cId="702045019" sldId="262"/>
-            <ac:spMk id="3" creationId="{23809D79-7B82-4C48-8A89-C5214521F03C}"/>
-          </ac:spMkLst>
-        </pc:spChg>
-        <pc:spChg chg="add mod">
-          <ac:chgData name="Ho Wa HUI" userId="e927a532-8ed5-44ad-b01b-167d5e91968d" providerId="ADAL" clId="{0B4270DC-B66F-496B-83D0-21A7D09B2F95}" dt="2019-03-03T06:37:26.286" v="594" actId="14100"/>
-          <ac:spMkLst>
-            <pc:docMk/>
-            <pc:sldMk cId="702045019" sldId="262"/>
-            <ac:spMk id="7" creationId="{F8EFEDB0-095E-45F4-9AD3-71B5537C02CD}"/>
-          </ac:spMkLst>
-        </pc:spChg>
-        <pc:graphicFrameChg chg="del mod">
-          <ac:chgData name="Ho Wa HUI" userId="e927a532-8ed5-44ad-b01b-167d5e91968d" providerId="ADAL" clId="{0B4270DC-B66F-496B-83D0-21A7D09B2F95}" dt="2019-03-03T06:34:28.890" v="121" actId="3680"/>
-          <ac:graphicFrameMkLst>
-            <pc:docMk/>
-            <pc:sldMk cId="702045019" sldId="262"/>
-            <ac:graphicFrameMk id="4" creationId="{603C3538-9A44-4E64-97AE-58F901A2CD11}"/>
-          </ac:graphicFrameMkLst>
-        </pc:graphicFrameChg>
-        <pc:graphicFrameChg chg="del modGraphic">
-          <ac:chgData name="Ho Wa HUI" userId="e927a532-8ed5-44ad-b01b-167d5e91968d" providerId="ADAL" clId="{0B4270DC-B66F-496B-83D0-21A7D09B2F95}" dt="2019-03-03T06:34:48.037" v="137" actId="478"/>
-          <ac:graphicFrameMkLst>
-            <pc:docMk/>
-            <pc:sldMk cId="702045019" sldId="262"/>
-            <ac:graphicFrameMk id="5" creationId="{054DCCA8-501E-4194-8192-A4D0FB2AE82D}"/>
-          </ac:graphicFrameMkLst>
-        </pc:graphicFrameChg>
-      </pc:sldChg>
-      <pc:sldChg chg="modSp add">
-        <pc:chgData name="Ho Wa HUI" userId="e927a532-8ed5-44ad-b01b-167d5e91968d" providerId="ADAL" clId="{0B4270DC-B66F-496B-83D0-21A7D09B2F95}" dt="2019-03-03T06:40:28.376" v="645" actId="20577"/>
-        <pc:sldMkLst>
-          <pc:docMk/>
-          <pc:sldMk cId="2307301249" sldId="263"/>
-        </pc:sldMkLst>
-        <pc:spChg chg="mod">
-          <ac:chgData name="Ho Wa HUI" userId="e927a532-8ed5-44ad-b01b-167d5e91968d" providerId="ADAL" clId="{0B4270DC-B66F-496B-83D0-21A7D09B2F95}" dt="2019-03-03T06:40:28.376" v="645" actId="20577"/>
-          <ac:spMkLst>
-            <pc:docMk/>
-            <pc:sldMk cId="2307301249" sldId="263"/>
-            <ac:spMk id="2" creationId="{9177F977-E7D7-4C8C-AD67-7F43BB7A93F1}"/>
-          </ac:spMkLst>
-        </pc:spChg>
-      </pc:sldChg>
-      <pc:sldChg chg="modSp add">
-        <pc:chgData name="Ho Wa HUI" userId="e927a532-8ed5-44ad-b01b-167d5e91968d" providerId="ADAL" clId="{0B4270DC-B66F-496B-83D0-21A7D09B2F95}" dt="2019-03-03T06:40:44.339" v="664" actId="20577"/>
-        <pc:sldMkLst>
-          <pc:docMk/>
-          <pc:sldMk cId="1282328893" sldId="264"/>
-        </pc:sldMkLst>
-        <pc:spChg chg="mod">
-          <ac:chgData name="Ho Wa HUI" userId="e927a532-8ed5-44ad-b01b-167d5e91968d" providerId="ADAL" clId="{0B4270DC-B66F-496B-83D0-21A7D09B2F95}" dt="2019-03-03T06:40:44.339" v="664" actId="20577"/>
-          <ac:spMkLst>
-            <pc:docMk/>
-            <pc:sldMk cId="1282328893" sldId="264"/>
-            <ac:spMk id="2" creationId="{8CF7122F-017D-4157-9024-482FEF321F64}"/>
-          </ac:spMkLst>
-        </pc:spChg>
-      </pc:sldChg>
-      <pc:sldChg chg="modSp add">
-        <pc:chgData name="Ho Wa HUI" userId="e927a532-8ed5-44ad-b01b-167d5e91968d" providerId="ADAL" clId="{0B4270DC-B66F-496B-83D0-21A7D09B2F95}" dt="2019-03-03T06:40:59.638" v="676" actId="20577"/>
-        <pc:sldMkLst>
-          <pc:docMk/>
-          <pc:sldMk cId="1506741018" sldId="265"/>
-        </pc:sldMkLst>
-        <pc:spChg chg="mod">
-          <ac:chgData name="Ho Wa HUI" userId="e927a532-8ed5-44ad-b01b-167d5e91968d" providerId="ADAL" clId="{0B4270DC-B66F-496B-83D0-21A7D09B2F95}" dt="2019-03-03T06:40:59.638" v="676" actId="20577"/>
-          <ac:spMkLst>
-            <pc:docMk/>
-            <pc:sldMk cId="1506741018" sldId="265"/>
-            <ac:spMk id="2" creationId="{66CCAA28-F031-4D89-8CC9-7872BF61B980}"/>
-          </ac:spMkLst>
-        </pc:spChg>
-      </pc:sldChg>
-      <pc:sldChg chg="modSp add">
-        <pc:chgData name="Ho Wa HUI" userId="e927a532-8ed5-44ad-b01b-167d5e91968d" providerId="ADAL" clId="{0B4270DC-B66F-496B-83D0-21A7D09B2F95}" dt="2019-03-03T06:41:09.753" v="691" actId="20577"/>
-        <pc:sldMkLst>
-          <pc:docMk/>
-          <pc:sldMk cId="3696488069" sldId="266"/>
-        </pc:sldMkLst>
-        <pc:spChg chg="mod">
-          <ac:chgData name="Ho Wa HUI" userId="e927a532-8ed5-44ad-b01b-167d5e91968d" providerId="ADAL" clId="{0B4270DC-B66F-496B-83D0-21A7D09B2F95}" dt="2019-03-03T06:41:09.753" v="691" actId="20577"/>
-          <ac:spMkLst>
-            <pc:docMk/>
-            <pc:sldMk cId="3696488069" sldId="266"/>
-            <ac:spMk id="2" creationId="{E4DDD1A3-CA6A-4E6A-8DDA-D4FA6FB8CF7B}"/>
-          </ac:spMkLst>
-        </pc:spChg>
-      </pc:sldChg>
-    </pc:docChg>
-  </pc:docChgLst>
   <pc:docChgLst>
     <pc:chgData name="HUI Ho Wa" userId="e927a532-8ed5-44ad-b01b-167d5e91968d" providerId="ADAL" clId="{0B4270DC-B66F-496B-83D0-21A7D09B2F95}"/>
     <pc:docChg chg="undo custSel addSld delSld modSld">
@@ -605,6 +382,230 @@
       </pc:sldChg>
     </pc:docChg>
   </pc:docChgLst>
+  <pc:docChgLst>
+    <pc:chgData name="Ho Wa HUI" userId="e927a532-8ed5-44ad-b01b-167d5e91968d" providerId="ADAL" clId="{0B4270DC-B66F-496B-83D0-21A7D09B2F95}"/>
+    <pc:docChg chg="undo custSel addSld delSld modSld">
+      <pc:chgData name="Ho Wa HUI" userId="e927a532-8ed5-44ad-b01b-167d5e91968d" providerId="ADAL" clId="{0B4270DC-B66F-496B-83D0-21A7D09B2F95}" dt="2019-03-03T06:41:09.753" v="691" actId="20577"/>
+      <pc:docMkLst>
+        <pc:docMk/>
+      </pc:docMkLst>
+      <pc:sldChg chg="modSp add del">
+        <pc:chgData name="Ho Wa HUI" userId="e927a532-8ed5-44ad-b01b-167d5e91968d" providerId="ADAL" clId="{0B4270DC-B66F-496B-83D0-21A7D09B2F95}" dt="2019-03-03T05:52:27.110" v="23" actId="20577"/>
+        <pc:sldMkLst>
+          <pc:docMk/>
+          <pc:sldMk cId="1684129823" sldId="256"/>
+        </pc:sldMkLst>
+        <pc:spChg chg="mod">
+          <ac:chgData name="Ho Wa HUI" userId="e927a532-8ed5-44ad-b01b-167d5e91968d" providerId="ADAL" clId="{0B4270DC-B66F-496B-83D0-21A7D09B2F95}" dt="2019-03-03T05:52:27.110" v="23" actId="20577"/>
+          <ac:spMkLst>
+            <pc:docMk/>
+            <pc:sldMk cId="1684129823" sldId="256"/>
+            <ac:spMk id="3" creationId="{CC96A5CC-9106-4FDC-BDF5-2766EFEB8CBC}"/>
+          </ac:spMkLst>
+        </pc:spChg>
+      </pc:sldChg>
+      <pc:sldChg chg="modSp add">
+        <pc:chgData name="Ho Wa HUI" userId="e927a532-8ed5-44ad-b01b-167d5e91968d" providerId="ADAL" clId="{0B4270DC-B66F-496B-83D0-21A7D09B2F95}" dt="2019-03-03T05:55:05.298" v="29"/>
+        <pc:sldMkLst>
+          <pc:docMk/>
+          <pc:sldMk cId="1622195306" sldId="259"/>
+        </pc:sldMkLst>
+        <pc:spChg chg="mod">
+          <ac:chgData name="Ho Wa HUI" userId="e927a532-8ed5-44ad-b01b-167d5e91968d" providerId="ADAL" clId="{0B4270DC-B66F-496B-83D0-21A7D09B2F95}" dt="2019-03-03T05:54:29.710" v="28" actId="20577"/>
+          <ac:spMkLst>
+            <pc:docMk/>
+            <pc:sldMk cId="1622195306" sldId="259"/>
+            <ac:spMk id="2" creationId="{B38C2B6A-86F2-4FDF-A0C9-6E2BF5F4409B}"/>
+          </ac:spMkLst>
+        </pc:spChg>
+        <pc:spChg chg="mod">
+          <ac:chgData name="Ho Wa HUI" userId="e927a532-8ed5-44ad-b01b-167d5e91968d" providerId="ADAL" clId="{0B4270DC-B66F-496B-83D0-21A7D09B2F95}" dt="2019-03-03T05:55:05.298" v="29"/>
+          <ac:spMkLst>
+            <pc:docMk/>
+            <pc:sldMk cId="1622195306" sldId="259"/>
+            <ac:spMk id="3" creationId="{78972792-7B69-4281-9718-7848F331358E}"/>
+          </ac:spMkLst>
+        </pc:spChg>
+      </pc:sldChg>
+      <pc:sldChg chg="modSp add">
+        <pc:chgData name="Ho Wa HUI" userId="e927a532-8ed5-44ad-b01b-167d5e91968d" providerId="ADAL" clId="{0B4270DC-B66F-496B-83D0-21A7D09B2F95}" dt="2019-03-03T06:29:50.911" v="59" actId="20577"/>
+        <pc:sldMkLst>
+          <pc:docMk/>
+          <pc:sldMk cId="2206193353" sldId="260"/>
+        </pc:sldMkLst>
+        <pc:spChg chg="mod">
+          <ac:chgData name="Ho Wa HUI" userId="e927a532-8ed5-44ad-b01b-167d5e91968d" providerId="ADAL" clId="{0B4270DC-B66F-496B-83D0-21A7D09B2F95}" dt="2019-03-03T06:29:50.911" v="59" actId="20577"/>
+          <ac:spMkLst>
+            <pc:docMk/>
+            <pc:sldMk cId="2206193353" sldId="260"/>
+            <ac:spMk id="2" creationId="{5DD87689-DF5F-4C9B-894A-F9CF02BBBFB5}"/>
+          </ac:spMkLst>
+        </pc:spChg>
+      </pc:sldChg>
+      <pc:sldChg chg="addSp delSp modSp add">
+        <pc:chgData name="Ho Wa HUI" userId="e927a532-8ed5-44ad-b01b-167d5e91968d" providerId="ADAL" clId="{0B4270DC-B66F-496B-83D0-21A7D09B2F95}" dt="2019-03-03T06:39:40.626" v="605" actId="14100"/>
+        <pc:sldMkLst>
+          <pc:docMk/>
+          <pc:sldMk cId="656241323" sldId="261"/>
+        </pc:sldMkLst>
+        <pc:spChg chg="mod">
+          <ac:chgData name="Ho Wa HUI" userId="e927a532-8ed5-44ad-b01b-167d5e91968d" providerId="ADAL" clId="{0B4270DC-B66F-496B-83D0-21A7D09B2F95}" dt="2019-03-03T06:32:44.423" v="72" actId="20577"/>
+          <ac:spMkLst>
+            <pc:docMk/>
+            <pc:sldMk cId="656241323" sldId="261"/>
+            <ac:spMk id="2" creationId="{07BD11B5-98A9-4143-B05F-A0B33F86314E}"/>
+          </ac:spMkLst>
+        </pc:spChg>
+        <pc:spChg chg="del">
+          <ac:chgData name="Ho Wa HUI" userId="e927a532-8ed5-44ad-b01b-167d5e91968d" providerId="ADAL" clId="{0B4270DC-B66F-496B-83D0-21A7D09B2F95}" dt="2019-03-03T06:32:48.177" v="73"/>
+          <ac:spMkLst>
+            <pc:docMk/>
+            <pc:sldMk cId="656241323" sldId="261"/>
+            <ac:spMk id="3" creationId="{37F33E0B-68C8-45A2-AAE2-94BA6C166345}"/>
+          </ac:spMkLst>
+        </pc:spChg>
+        <pc:spChg chg="add del mod">
+          <ac:chgData name="Ho Wa HUI" userId="e927a532-8ed5-44ad-b01b-167d5e91968d" providerId="ADAL" clId="{0B4270DC-B66F-496B-83D0-21A7D09B2F95}" dt="2019-03-03T06:39:33.193" v="602" actId="478"/>
+          <ac:spMkLst>
+            <pc:docMk/>
+            <pc:sldMk cId="656241323" sldId="261"/>
+            <ac:spMk id="6" creationId="{0D7C460D-C32B-4CBE-A189-360CB6EFD692}"/>
+          </ac:spMkLst>
+        </pc:spChg>
+        <pc:picChg chg="add del mod modCrop">
+          <ac:chgData name="Ho Wa HUI" userId="e927a532-8ed5-44ad-b01b-167d5e91968d" providerId="ADAL" clId="{0B4270DC-B66F-496B-83D0-21A7D09B2F95}" dt="2019-03-03T06:39:06.763" v="595" actId="478"/>
+          <ac:picMkLst>
+            <pc:docMk/>
+            <pc:sldMk cId="656241323" sldId="261"/>
+            <ac:picMk id="4" creationId="{4B487BA6-40C1-4302-8016-FF8372FD284E}"/>
+          </ac:picMkLst>
+        </pc:picChg>
+        <pc:picChg chg="add del mod">
+          <ac:chgData name="Ho Wa HUI" userId="e927a532-8ed5-44ad-b01b-167d5e91968d" providerId="ADAL" clId="{0B4270DC-B66F-496B-83D0-21A7D09B2F95}" dt="2019-03-03T06:39:27.641" v="598" actId="478"/>
+          <ac:picMkLst>
+            <pc:docMk/>
+            <pc:sldMk cId="656241323" sldId="261"/>
+            <ac:picMk id="7" creationId="{5A2ECD45-D769-4E46-868A-64DEC3026F6D}"/>
+          </ac:picMkLst>
+        </pc:picChg>
+        <pc:picChg chg="add mod">
+          <ac:chgData name="Ho Wa HUI" userId="e927a532-8ed5-44ad-b01b-167d5e91968d" providerId="ADAL" clId="{0B4270DC-B66F-496B-83D0-21A7D09B2F95}" dt="2019-03-03T06:39:40.626" v="605" actId="14100"/>
+          <ac:picMkLst>
+            <pc:docMk/>
+            <pc:sldMk cId="656241323" sldId="261"/>
+            <ac:picMk id="8" creationId="{DFB2A8FD-CDBB-4947-9567-C1AD7DEC7D02}"/>
+          </ac:picMkLst>
+        </pc:picChg>
+      </pc:sldChg>
+      <pc:sldChg chg="addSp delSp modSp add">
+        <pc:chgData name="Ho Wa HUI" userId="e927a532-8ed5-44ad-b01b-167d5e91968d" providerId="ADAL" clId="{0B4270DC-B66F-496B-83D0-21A7D09B2F95}" dt="2019-03-03T06:37:26.286" v="594" actId="14100"/>
+        <pc:sldMkLst>
+          <pc:docMk/>
+          <pc:sldMk cId="702045019" sldId="262"/>
+        </pc:sldMkLst>
+        <pc:spChg chg="mod">
+          <ac:chgData name="Ho Wa HUI" userId="e927a532-8ed5-44ad-b01b-167d5e91968d" providerId="ADAL" clId="{0B4270DC-B66F-496B-83D0-21A7D09B2F95}" dt="2019-03-03T06:34:17.441" v="120" actId="20577"/>
+          <ac:spMkLst>
+            <pc:docMk/>
+            <pc:sldMk cId="702045019" sldId="262"/>
+            <ac:spMk id="2" creationId="{17F1CDD5-C66E-4EF8-B06E-52A681DC96E2}"/>
+          </ac:spMkLst>
+        </pc:spChg>
+        <pc:spChg chg="add">
+          <ac:chgData name="Ho Wa HUI" userId="e927a532-8ed5-44ad-b01b-167d5e91968d" providerId="ADAL" clId="{0B4270DC-B66F-496B-83D0-21A7D09B2F95}" dt="2019-03-03T06:34:28.890" v="121" actId="3680"/>
+          <ac:spMkLst>
+            <pc:docMk/>
+            <pc:sldMk cId="702045019" sldId="262"/>
+            <ac:spMk id="3" creationId="{23809D79-7B82-4C48-8A89-C5214521F03C}"/>
+          </ac:spMkLst>
+        </pc:spChg>
+        <pc:spChg chg="add mod">
+          <ac:chgData name="Ho Wa HUI" userId="e927a532-8ed5-44ad-b01b-167d5e91968d" providerId="ADAL" clId="{0B4270DC-B66F-496B-83D0-21A7D09B2F95}" dt="2019-03-03T06:37:26.286" v="594" actId="14100"/>
+          <ac:spMkLst>
+            <pc:docMk/>
+            <pc:sldMk cId="702045019" sldId="262"/>
+            <ac:spMk id="7" creationId="{F8EFEDB0-095E-45F4-9AD3-71B5537C02CD}"/>
+          </ac:spMkLst>
+        </pc:spChg>
+        <pc:graphicFrameChg chg="del mod">
+          <ac:chgData name="Ho Wa HUI" userId="e927a532-8ed5-44ad-b01b-167d5e91968d" providerId="ADAL" clId="{0B4270DC-B66F-496B-83D0-21A7D09B2F95}" dt="2019-03-03T06:34:28.890" v="121" actId="3680"/>
+          <ac:graphicFrameMkLst>
+            <pc:docMk/>
+            <pc:sldMk cId="702045019" sldId="262"/>
+            <ac:graphicFrameMk id="4" creationId="{603C3538-9A44-4E64-97AE-58F901A2CD11}"/>
+          </ac:graphicFrameMkLst>
+        </pc:graphicFrameChg>
+        <pc:graphicFrameChg chg="del modGraphic">
+          <ac:chgData name="Ho Wa HUI" userId="e927a532-8ed5-44ad-b01b-167d5e91968d" providerId="ADAL" clId="{0B4270DC-B66F-496B-83D0-21A7D09B2F95}" dt="2019-03-03T06:34:48.037" v="137" actId="478"/>
+          <ac:graphicFrameMkLst>
+            <pc:docMk/>
+            <pc:sldMk cId="702045019" sldId="262"/>
+            <ac:graphicFrameMk id="5" creationId="{054DCCA8-501E-4194-8192-A4D0FB2AE82D}"/>
+          </ac:graphicFrameMkLst>
+        </pc:graphicFrameChg>
+      </pc:sldChg>
+      <pc:sldChg chg="modSp add">
+        <pc:chgData name="Ho Wa HUI" userId="e927a532-8ed5-44ad-b01b-167d5e91968d" providerId="ADAL" clId="{0B4270DC-B66F-496B-83D0-21A7D09B2F95}" dt="2019-03-03T06:40:28.376" v="645" actId="20577"/>
+        <pc:sldMkLst>
+          <pc:docMk/>
+          <pc:sldMk cId="2307301249" sldId="263"/>
+        </pc:sldMkLst>
+        <pc:spChg chg="mod">
+          <ac:chgData name="Ho Wa HUI" userId="e927a532-8ed5-44ad-b01b-167d5e91968d" providerId="ADAL" clId="{0B4270DC-B66F-496B-83D0-21A7D09B2F95}" dt="2019-03-03T06:40:28.376" v="645" actId="20577"/>
+          <ac:spMkLst>
+            <pc:docMk/>
+            <pc:sldMk cId="2307301249" sldId="263"/>
+            <ac:spMk id="2" creationId="{9177F977-E7D7-4C8C-AD67-7F43BB7A93F1}"/>
+          </ac:spMkLst>
+        </pc:spChg>
+      </pc:sldChg>
+      <pc:sldChg chg="modSp add">
+        <pc:chgData name="Ho Wa HUI" userId="e927a532-8ed5-44ad-b01b-167d5e91968d" providerId="ADAL" clId="{0B4270DC-B66F-496B-83D0-21A7D09B2F95}" dt="2019-03-03T06:40:44.339" v="664" actId="20577"/>
+        <pc:sldMkLst>
+          <pc:docMk/>
+          <pc:sldMk cId="1282328893" sldId="264"/>
+        </pc:sldMkLst>
+        <pc:spChg chg="mod">
+          <ac:chgData name="Ho Wa HUI" userId="e927a532-8ed5-44ad-b01b-167d5e91968d" providerId="ADAL" clId="{0B4270DC-B66F-496B-83D0-21A7D09B2F95}" dt="2019-03-03T06:40:44.339" v="664" actId="20577"/>
+          <ac:spMkLst>
+            <pc:docMk/>
+            <pc:sldMk cId="1282328893" sldId="264"/>
+            <ac:spMk id="2" creationId="{8CF7122F-017D-4157-9024-482FEF321F64}"/>
+          </ac:spMkLst>
+        </pc:spChg>
+      </pc:sldChg>
+      <pc:sldChg chg="modSp add">
+        <pc:chgData name="Ho Wa HUI" userId="e927a532-8ed5-44ad-b01b-167d5e91968d" providerId="ADAL" clId="{0B4270DC-B66F-496B-83D0-21A7D09B2F95}" dt="2019-03-03T06:40:59.638" v="676" actId="20577"/>
+        <pc:sldMkLst>
+          <pc:docMk/>
+          <pc:sldMk cId="1506741018" sldId="265"/>
+        </pc:sldMkLst>
+        <pc:spChg chg="mod">
+          <ac:chgData name="Ho Wa HUI" userId="e927a532-8ed5-44ad-b01b-167d5e91968d" providerId="ADAL" clId="{0B4270DC-B66F-496B-83D0-21A7D09B2F95}" dt="2019-03-03T06:40:59.638" v="676" actId="20577"/>
+          <ac:spMkLst>
+            <pc:docMk/>
+            <pc:sldMk cId="1506741018" sldId="265"/>
+            <ac:spMk id="2" creationId="{66CCAA28-F031-4D89-8CC9-7872BF61B980}"/>
+          </ac:spMkLst>
+        </pc:spChg>
+      </pc:sldChg>
+      <pc:sldChg chg="modSp add">
+        <pc:chgData name="Ho Wa HUI" userId="e927a532-8ed5-44ad-b01b-167d5e91968d" providerId="ADAL" clId="{0B4270DC-B66F-496B-83D0-21A7D09B2F95}" dt="2019-03-03T06:41:09.753" v="691" actId="20577"/>
+        <pc:sldMkLst>
+          <pc:docMk/>
+          <pc:sldMk cId="3696488069" sldId="266"/>
+        </pc:sldMkLst>
+        <pc:spChg chg="mod">
+          <ac:chgData name="Ho Wa HUI" userId="e927a532-8ed5-44ad-b01b-167d5e91968d" providerId="ADAL" clId="{0B4270DC-B66F-496B-83D0-21A7D09B2F95}" dt="2019-03-03T06:41:09.753" v="691" actId="20577"/>
+          <ac:spMkLst>
+            <pc:docMk/>
+            <pc:sldMk cId="3696488069" sldId="266"/>
+            <ac:spMk id="2" creationId="{E4DDD1A3-CA6A-4E6A-8DDA-D4FA6FB8CF7B}"/>
+          </ac:spMkLst>
+        </pc:spChg>
+      </pc:sldChg>
+    </pc:docChg>
+  </pc:docChgLst>
 </pc:chgInfo>
 </file>
 
@@ -780,7 +781,7 @@
           <a:p>
             <a:fld id="{F499AB22-D482-4710-94E9-AEBDB09C1B2B}" type="datetimeFigureOut">
               <a:rPr lang="en-US" smtClean="0"/>
-              <a:t>3/5/2019</a:t>
+              <a:t>3/7/2019</a:t>
             </a:fld>
             <a:endParaRPr lang="en-US"/>
           </a:p>
@@ -980,7 +981,7 @@
           <a:p>
             <a:fld id="{F499AB22-D482-4710-94E9-AEBDB09C1B2B}" type="datetimeFigureOut">
               <a:rPr lang="en-US" smtClean="0"/>
-              <a:t>3/5/2019</a:t>
+              <a:t>3/7/2019</a:t>
             </a:fld>
             <a:endParaRPr lang="en-US"/>
           </a:p>
@@ -1190,7 +1191,7 @@
           <a:p>
             <a:fld id="{F499AB22-D482-4710-94E9-AEBDB09C1B2B}" type="datetimeFigureOut">
               <a:rPr lang="en-US" smtClean="0"/>
-              <a:t>3/5/2019</a:t>
+              <a:t>3/7/2019</a:t>
             </a:fld>
             <a:endParaRPr lang="en-US"/>
           </a:p>
@@ -1480,7 +1481,7 @@
           <a:p>
             <a:fld id="{9AB3A824-1A51-4B26-AD58-A6D8E14F6C04}" type="datetimeFigureOut">
               <a:rPr lang="en-US" dirty="0"/>
-              <a:t>3/5/2019</a:t>
+              <a:t>3/7/2019</a:t>
             </a:fld>
             <a:endParaRPr lang="en-US" dirty="0"/>
           </a:p>
@@ -1773,7 +1774,7 @@
           <a:p>
             <a:fld id="{97D162C4-EDD9-4389-A98B-B87ECEA2A816}" type="datetimeFigureOut">
               <a:rPr lang="en-US" dirty="0"/>
-              <a:t>3/5/2019</a:t>
+              <a:t>3/7/2019</a:t>
             </a:fld>
             <a:endParaRPr lang="en-US" dirty="0"/>
           </a:p>
@@ -2185,7 +2186,7 @@
           <a:p>
             <a:fld id="{3E5059C3-6A89-4494-99FF-5A4D6FFD50EB}" type="datetimeFigureOut">
               <a:rPr lang="en-US" dirty="0"/>
-              <a:t>3/5/2019</a:t>
+              <a:t>3/7/2019</a:t>
             </a:fld>
             <a:endParaRPr lang="en-US" dirty="0"/>
           </a:p>
@@ -2504,7 +2505,7 @@
           <a:p>
             <a:fld id="{CA954B2F-12DE-47F5-8894-472B206D2E1E}" type="datetimeFigureOut">
               <a:rPr lang="en-US" dirty="0"/>
-              <a:t>3/5/2019</a:t>
+              <a:t>3/7/2019</a:t>
             </a:fld>
             <a:endParaRPr lang="en-US" dirty="0"/>
           </a:p>
@@ -3053,7 +3054,7 @@
           <a:p>
             <a:fld id="{3F30E46F-7819-4ACF-B48B-48222C2ACC88}" type="datetimeFigureOut">
               <a:rPr lang="en-US" dirty="0"/>
-              <a:t>3/5/2019</a:t>
+              <a:t>3/7/2019</a:t>
             </a:fld>
             <a:endParaRPr lang="en-US" dirty="0"/>
           </a:p>
@@ -3253,7 +3254,7 @@
           <a:p>
             <a:fld id="{1FAF3416-4057-4DAA-829D-4CA07428D088}" type="datetimeFigureOut">
               <a:rPr lang="en-US" dirty="0"/>
-              <a:t>3/5/2019</a:t>
+              <a:t>3/7/2019</a:t>
             </a:fld>
             <a:endParaRPr lang="en-US" dirty="0"/>
           </a:p>
@@ -3471,7 +3472,7 @@
           <a:p>
             <a:fld id="{921D9284-D300-4297-87F7-E791DCC15DB1}" type="datetimeFigureOut">
               <a:rPr lang="en-US" dirty="0"/>
-              <a:t>3/5/2019</a:t>
+              <a:t>3/7/2019</a:t>
             </a:fld>
             <a:endParaRPr lang="en-US" dirty="0"/>
           </a:p>
@@ -3845,7 +3846,7 @@
           <a:p>
             <a:fld id="{37D525BB-DA17-4BA0-B3C8-3AC3ABC827E6}" type="datetimeFigureOut">
               <a:rPr lang="en-US" dirty="0"/>
-              <a:t>3/5/2019</a:t>
+              <a:t>3/7/2019</a:t>
             </a:fld>
             <a:endParaRPr lang="en-US" dirty="0"/>
           </a:p>
@@ -4037,7 +4038,7 @@
           <a:p>
             <a:fld id="{F499AB22-D482-4710-94E9-AEBDB09C1B2B}" type="datetimeFigureOut">
               <a:rPr lang="en-US" smtClean="0"/>
-              <a:t>3/5/2019</a:t>
+              <a:t>3/7/2019</a:t>
             </a:fld>
             <a:endParaRPr lang="en-US"/>
           </a:p>
@@ -4453,7 +4454,7 @@
           <a:p>
             <a:fld id="{B16C4C9A-3960-41CF-A4E9-2A8FB932454B}" type="datetimeFigureOut">
               <a:rPr lang="en-US" dirty="0"/>
-              <a:t>3/5/2019</a:t>
+              <a:t>3/7/2019</a:t>
             </a:fld>
             <a:endParaRPr lang="en-US" dirty="0"/>
           </a:p>
@@ -4751,7 +4752,7 @@
           <a:p>
             <a:fld id="{D857E33E-8B18-4087-B112-809917729534}" type="datetimeFigureOut">
               <a:rPr lang="en-US" dirty="0"/>
-              <a:t>3/5/2019</a:t>
+              <a:t>3/7/2019</a:t>
             </a:fld>
             <a:endParaRPr lang="en-US" dirty="0"/>
           </a:p>
@@ -5058,7 +5059,7 @@
           <a:p>
             <a:fld id="{D3FFE419-2371-464F-8239-3959401C3561}" type="datetimeFigureOut">
               <a:rPr lang="en-US" dirty="0"/>
-              <a:t>3/5/2019</a:t>
+              <a:t>3/7/2019</a:t>
             </a:fld>
             <a:endParaRPr lang="en-US" dirty="0"/>
           </a:p>
@@ -5326,7 +5327,7 @@
           <a:p>
             <a:fld id="{F499AB22-D482-4710-94E9-AEBDB09C1B2B}" type="datetimeFigureOut">
               <a:rPr lang="en-US" smtClean="0"/>
-              <a:t>3/5/2019</a:t>
+              <a:t>3/7/2019</a:t>
             </a:fld>
             <a:endParaRPr lang="en-US"/>
           </a:p>
@@ -5594,7 +5595,7 @@
           <a:p>
             <a:fld id="{F499AB22-D482-4710-94E9-AEBDB09C1B2B}" type="datetimeFigureOut">
               <a:rPr lang="en-US" smtClean="0"/>
-              <a:t>3/5/2019</a:t>
+              <a:t>3/7/2019</a:t>
             </a:fld>
             <a:endParaRPr lang="en-US"/>
           </a:p>
@@ -6009,7 +6010,7 @@
           <a:p>
             <a:fld id="{F499AB22-D482-4710-94E9-AEBDB09C1B2B}" type="datetimeFigureOut">
               <a:rPr lang="en-US" smtClean="0"/>
-              <a:t>3/5/2019</a:t>
+              <a:t>3/7/2019</a:t>
             </a:fld>
             <a:endParaRPr lang="en-US"/>
           </a:p>
@@ -6151,7 +6152,7 @@
           <a:p>
             <a:fld id="{F499AB22-D482-4710-94E9-AEBDB09C1B2B}" type="datetimeFigureOut">
               <a:rPr lang="en-US" smtClean="0"/>
-              <a:t>3/5/2019</a:t>
+              <a:t>3/7/2019</a:t>
             </a:fld>
             <a:endParaRPr lang="en-US"/>
           </a:p>
@@ -6264,7 +6265,7 @@
           <a:p>
             <a:fld id="{F499AB22-D482-4710-94E9-AEBDB09C1B2B}" type="datetimeFigureOut">
               <a:rPr lang="en-US" smtClean="0"/>
-              <a:t>3/5/2019</a:t>
+              <a:t>3/7/2019</a:t>
             </a:fld>
             <a:endParaRPr lang="en-US"/>
           </a:p>
@@ -6577,7 +6578,7 @@
           <a:p>
             <a:fld id="{F499AB22-D482-4710-94E9-AEBDB09C1B2B}" type="datetimeFigureOut">
               <a:rPr lang="en-US" smtClean="0"/>
-              <a:t>3/5/2019</a:t>
+              <a:t>3/7/2019</a:t>
             </a:fld>
             <a:endParaRPr lang="en-US"/>
           </a:p>
@@ -6866,7 +6867,7 @@
           <a:p>
             <a:fld id="{F499AB22-D482-4710-94E9-AEBDB09C1B2B}" type="datetimeFigureOut">
               <a:rPr lang="en-US" smtClean="0"/>
-              <a:t>3/5/2019</a:t>
+              <a:t>3/7/2019</a:t>
             </a:fld>
             <a:endParaRPr lang="en-US"/>
           </a:p>
@@ -7109,7 +7110,7 @@
           <a:p>
             <a:fld id="{F499AB22-D482-4710-94E9-AEBDB09C1B2B}" type="datetimeFigureOut">
               <a:rPr lang="en-US" smtClean="0"/>
-              <a:t>3/5/2019</a:t>
+              <a:t>3/7/2019</a:t>
             </a:fld>
             <a:endParaRPr lang="en-US"/>
           </a:p>
@@ -7787,7 +7788,7 @@
           <a:p>
             <a:fld id="{3CBC1C18-307B-4F68-A007-B5B542270E8D}" type="datetimeFigureOut">
               <a:rPr lang="en-US" dirty="0"/>
-              <a:t>3/5/2019</a:t>
+              <a:t>3/7/2019</a:t>
             </a:fld>
             <a:endParaRPr lang="en-US" dirty="0"/>
           </a:p>
@@ -8769,7 +8770,7 @@
           <p:cNvPr id="2" name="標題 1">
             <a:extLst>
               <a:ext uri="{FF2B5EF4-FFF2-40B4-BE49-F238E27FC236}">
-                <a16:creationId xmlns:a16="http://schemas.microsoft.com/office/drawing/2014/main" id="{9177F977-E7D7-4C8C-AD67-7F43BB7A93F1}"/>
+                <a16:creationId xmlns:a16="http://schemas.microsoft.com/office/drawing/2014/main" id="{07BD11B5-98A9-4143-B05F-A0B33F86314E}"/>
               </a:ext>
             </a:extLst>
           </p:cNvPr>
@@ -8786,42 +8787,46 @@
           <a:lstStyle/>
           <a:p>
             <a:r>
-              <a:rPr lang="en-US" altLang="zh-TW" dirty="0"/>
-              <a:t>Agile Product Backlog</a:t>
-            </a:r>
-            <a:endParaRPr lang="en-US" dirty="0"/>
-          </a:p>
-        </p:txBody>
-      </p:sp>
-      <p:sp>
-        <p:nvSpPr>
-          <p:cNvPr id="3" name="內容版面配置區 2">
+              <a:rPr lang="en-US" dirty="0"/>
+              <a:t>Project Plan</a:t>
+            </a:r>
+          </a:p>
+        </p:txBody>
+      </p:sp>
+      <p:pic>
+        <p:nvPicPr>
+          <p:cNvPr id="8" name="圖片 7">
             <a:extLst>
               <a:ext uri="{FF2B5EF4-FFF2-40B4-BE49-F238E27FC236}">
-                <a16:creationId xmlns:a16="http://schemas.microsoft.com/office/drawing/2014/main" id="{CE1FD6EF-DD02-4AF7-ACDD-06161358EE04}"/>
+                <a16:creationId xmlns:a16="http://schemas.microsoft.com/office/drawing/2014/main" id="{DFB2A8FD-CDBB-4947-9567-C1AD7DEC7D02}"/>
               </a:ext>
             </a:extLst>
           </p:cNvPr>
-          <p:cNvSpPr>
-            <a:spLocks noGrp="1"/>
-          </p:cNvSpPr>
-          <p:nvPr>
-            <p:ph idx="1"/>
-          </p:nvPr>
-        </p:nvSpPr>
-        <p:spPr/>
-        <p:txBody>
-          <a:bodyPr/>
-          <a:lstStyle/>
-          <a:p>
-            <a:endParaRPr lang="en-US"/>
-          </a:p>
-        </p:txBody>
-      </p:sp>
+          <p:cNvPicPr>
+            <a:picLocks noChangeAspect="1"/>
+          </p:cNvPicPr>
+          <p:nvPr/>
+        </p:nvPicPr>
+        <p:blipFill>
+          <a:blip r:embed="rId2"/>
+          <a:stretch>
+            <a:fillRect/>
+          </a:stretch>
+        </p:blipFill>
+        <p:spPr>
+          <a:xfrm>
+            <a:off x="1380903" y="1885285"/>
+            <a:ext cx="10434038" cy="4164659"/>
+          </a:xfrm>
+          <a:prstGeom prst="rect">
+            <a:avLst/>
+          </a:prstGeom>
+        </p:spPr>
+      </p:pic>
     </p:spTree>
     <p:extLst>
       <p:ext uri="{BB962C8B-B14F-4D97-AF65-F5344CB8AC3E}">
-        <p14:creationId xmlns:p14="http://schemas.microsoft.com/office/powerpoint/2010/main" val="2307301249"/>
+        <p14:creationId xmlns:p14="http://schemas.microsoft.com/office/powerpoint/2010/main" val="656241323"/>
       </p:ext>
     </p:extLst>
   </p:cSld>
@@ -8853,7 +8858,7 @@
           <p:cNvPr id="2" name="標題 1">
             <a:extLst>
               <a:ext uri="{FF2B5EF4-FFF2-40B4-BE49-F238E27FC236}">
-                <a16:creationId xmlns:a16="http://schemas.microsoft.com/office/drawing/2014/main" id="{8CF7122F-017D-4157-9024-482FEF321F64}"/>
+                <a16:creationId xmlns:a16="http://schemas.microsoft.com/office/drawing/2014/main" id="{9177F977-E7D7-4C8C-AD67-7F43BB7A93F1}"/>
               </a:ext>
             </a:extLst>
           </p:cNvPr>
@@ -8870,9 +8875,10 @@
           <a:lstStyle/>
           <a:p>
             <a:r>
-              <a:rPr lang="en-US" dirty="0"/>
-              <a:t>Sprint Backlog</a:t>
-            </a:r>
+              <a:rPr lang="en-US" altLang="zh-TW" dirty="0"/>
+              <a:t>Agile Product Backlog</a:t>
+            </a:r>
+            <a:endParaRPr lang="en-US" dirty="0"/>
           </a:p>
         </p:txBody>
       </p:sp>
@@ -8881,7 +8887,7 @@
           <p:cNvPr id="3" name="內容版面配置區 2">
             <a:extLst>
               <a:ext uri="{FF2B5EF4-FFF2-40B4-BE49-F238E27FC236}">
-                <a16:creationId xmlns:a16="http://schemas.microsoft.com/office/drawing/2014/main" id="{84FAD606-614C-41B0-A0CD-DAAC8E5780FF}"/>
+                <a16:creationId xmlns:a16="http://schemas.microsoft.com/office/drawing/2014/main" id="{CE1FD6EF-DD02-4AF7-ACDD-06161358EE04}"/>
               </a:ext>
             </a:extLst>
           </p:cNvPr>
@@ -8904,7 +8910,7 @@
     </p:spTree>
     <p:extLst>
       <p:ext uri="{BB962C8B-B14F-4D97-AF65-F5344CB8AC3E}">
-        <p14:creationId xmlns:p14="http://schemas.microsoft.com/office/powerpoint/2010/main" val="1282328893"/>
+        <p14:creationId xmlns:p14="http://schemas.microsoft.com/office/powerpoint/2010/main" val="2307301249"/>
       </p:ext>
     </p:extLst>
   </p:cSld>
@@ -8936,6 +8942,89 @@
           <p:cNvPr id="2" name="標題 1">
             <a:extLst>
               <a:ext uri="{FF2B5EF4-FFF2-40B4-BE49-F238E27FC236}">
+                <a16:creationId xmlns:a16="http://schemas.microsoft.com/office/drawing/2014/main" id="{8CF7122F-017D-4157-9024-482FEF321F64}"/>
+              </a:ext>
+            </a:extLst>
+          </p:cNvPr>
+          <p:cNvSpPr>
+            <a:spLocks noGrp="1"/>
+          </p:cNvSpPr>
+          <p:nvPr>
+            <p:ph type="title"/>
+          </p:nvPr>
+        </p:nvSpPr>
+        <p:spPr/>
+        <p:txBody>
+          <a:bodyPr/>
+          <a:lstStyle/>
+          <a:p>
+            <a:r>
+              <a:rPr lang="en-US" dirty="0"/>
+              <a:t>Sprint Backlog</a:t>
+            </a:r>
+          </a:p>
+        </p:txBody>
+      </p:sp>
+      <p:sp>
+        <p:nvSpPr>
+          <p:cNvPr id="3" name="內容版面配置區 2">
+            <a:extLst>
+              <a:ext uri="{FF2B5EF4-FFF2-40B4-BE49-F238E27FC236}">
+                <a16:creationId xmlns:a16="http://schemas.microsoft.com/office/drawing/2014/main" id="{84FAD606-614C-41B0-A0CD-DAAC8E5780FF}"/>
+              </a:ext>
+            </a:extLst>
+          </p:cNvPr>
+          <p:cNvSpPr>
+            <a:spLocks noGrp="1"/>
+          </p:cNvSpPr>
+          <p:nvPr>
+            <p:ph idx="1"/>
+          </p:nvPr>
+        </p:nvSpPr>
+        <p:spPr/>
+        <p:txBody>
+          <a:bodyPr/>
+          <a:lstStyle/>
+          <a:p>
+            <a:endParaRPr lang="en-US"/>
+          </a:p>
+        </p:txBody>
+      </p:sp>
+    </p:spTree>
+    <p:extLst>
+      <p:ext uri="{BB962C8B-B14F-4D97-AF65-F5344CB8AC3E}">
+        <p14:creationId xmlns:p14="http://schemas.microsoft.com/office/powerpoint/2010/main" val="1282328893"/>
+      </p:ext>
+    </p:extLst>
+  </p:cSld>
+  <p:clrMapOvr>
+    <a:masterClrMapping/>
+  </p:clrMapOvr>
+</p:sld>
+</file>
+
+<file path=ppt/slides/slide13.xml><?xml version="1.0" encoding="utf-8"?>
+<p:sld xmlns:a="http://schemas.openxmlformats.org/drawingml/2006/main" xmlns:r="http://schemas.openxmlformats.org/officeDocument/2006/relationships" xmlns:p="http://schemas.openxmlformats.org/presentationml/2006/main">
+  <p:cSld>
+    <p:spTree>
+      <p:nvGrpSpPr>
+        <p:cNvPr id="1" name=""/>
+        <p:cNvGrpSpPr/>
+        <p:nvPr/>
+      </p:nvGrpSpPr>
+      <p:grpSpPr>
+        <a:xfrm>
+          <a:off x="0" y="0"/>
+          <a:ext cx="0" cy="0"/>
+          <a:chOff x="0" y="0"/>
+          <a:chExt cx="0" cy="0"/>
+        </a:xfrm>
+      </p:grpSpPr>
+      <p:sp>
+        <p:nvSpPr>
+          <p:cNvPr id="2" name="標題 1">
+            <a:extLst>
+              <a:ext uri="{FF2B5EF4-FFF2-40B4-BE49-F238E27FC236}">
                 <a16:creationId xmlns:a16="http://schemas.microsoft.com/office/drawing/2014/main" id="{66CCAA28-F031-4D89-8CC9-7872BF61B980}"/>
               </a:ext>
             </a:extLst>
@@ -8997,7 +9086,7 @@
 </p:sld>
 </file>
 
-<file path=ppt/slides/slide13.xml><?xml version="1.0" encoding="utf-8"?>
+<file path=ppt/slides/slide14.xml><?xml version="1.0" encoding="utf-8"?>
 <p:sld xmlns:a="http://schemas.openxmlformats.org/drawingml/2006/main" xmlns:r="http://schemas.openxmlformats.org/officeDocument/2006/relationships" xmlns:p="http://schemas.openxmlformats.org/presentationml/2006/main">
   <p:cSld>
     <p:spTree>
@@ -9194,6 +9283,296 @@
           </a:prstGeom>
         </p:spPr>
       </p:pic>
+      <p:sp>
+        <p:nvSpPr>
+          <p:cNvPr id="5" name="內容版面配置區 2">
+            <a:extLst>
+              <a:ext uri="{FF2B5EF4-FFF2-40B4-BE49-F238E27FC236}">
+                <a16:creationId xmlns:a16="http://schemas.microsoft.com/office/drawing/2014/main" id="{D4B38822-C402-4C8D-AB4C-E0A387DAD6BF}"/>
+              </a:ext>
+            </a:extLst>
+          </p:cNvPr>
+          <p:cNvSpPr txBox="1">
+            <a:spLocks/>
+          </p:cNvSpPr>
+          <p:nvPr/>
+        </p:nvSpPr>
+        <p:spPr>
+          <a:xfrm>
+            <a:off x="2453559" y="5452469"/>
+            <a:ext cx="7796540" cy="736804"/>
+          </a:xfrm>
+          <a:prstGeom prst="rect">
+            <a:avLst/>
+          </a:prstGeom>
+        </p:spPr>
+        <p:txBody>
+          <a:bodyPr vert="horz" lIns="91440" tIns="45720" rIns="91440" bIns="45720" rtlCol="0" anchor="ctr">
+            <a:normAutofit fontScale="70000" lnSpcReduction="20000"/>
+          </a:bodyPr>
+          <a:lstStyle>
+            <a:lvl1pPr marL="344488" indent="-344488" algn="l" defTabSz="914400" rtl="0" eaLnBrk="1" latinLnBrk="0" hangingPunct="1">
+              <a:lnSpc>
+                <a:spcPct val="120000"/>
+              </a:lnSpc>
+              <a:spcBef>
+                <a:spcPts val="1000"/>
+              </a:spcBef>
+              <a:spcAft>
+                <a:spcPts val="600"/>
+              </a:spcAft>
+              <a:buClr>
+                <a:schemeClr val="accent6"/>
+              </a:buClr>
+              <a:buSzPct val="90000"/>
+              <a:buFont typeface="Wingdings" panose="05000000000000000000" pitchFamily="2" charset="2"/>
+              <a:buChar char="§"/>
+              <a:defRPr sz="2000" kern="1200">
+                <a:solidFill>
+                  <a:schemeClr val="tx1"/>
+                </a:solidFill>
+                <a:effectLst/>
+                <a:latin typeface="+mn-lt"/>
+                <a:ea typeface="+mn-ea"/>
+                <a:cs typeface="+mn-cs"/>
+              </a:defRPr>
+            </a:lvl1pPr>
+            <a:lvl2pPr marL="795338" indent="-338138" algn="l" defTabSz="914400" rtl="0" eaLnBrk="1" latinLnBrk="0" hangingPunct="1">
+              <a:lnSpc>
+                <a:spcPct val="120000"/>
+              </a:lnSpc>
+              <a:spcBef>
+                <a:spcPts val="500"/>
+              </a:spcBef>
+              <a:spcAft>
+                <a:spcPts val="600"/>
+              </a:spcAft>
+              <a:buClr>
+                <a:schemeClr val="accent6"/>
+              </a:buClr>
+              <a:buSzPct val="90000"/>
+              <a:buFont typeface="Wingdings" panose="05000000000000000000" pitchFamily="2" charset="2"/>
+              <a:buChar char="§"/>
+              <a:defRPr sz="1800" kern="1200">
+                <a:solidFill>
+                  <a:schemeClr val="tx1"/>
+                </a:solidFill>
+                <a:effectLst/>
+                <a:latin typeface="+mn-lt"/>
+                <a:ea typeface="+mn-ea"/>
+                <a:cs typeface="+mn-cs"/>
+              </a:defRPr>
+            </a:lvl2pPr>
+            <a:lvl3pPr marL="1258888" indent="-344488" algn="l" defTabSz="914400" rtl="0" eaLnBrk="1" latinLnBrk="0" hangingPunct="1">
+              <a:lnSpc>
+                <a:spcPct val="120000"/>
+              </a:lnSpc>
+              <a:spcBef>
+                <a:spcPts val="500"/>
+              </a:spcBef>
+              <a:spcAft>
+                <a:spcPts val="600"/>
+              </a:spcAft>
+              <a:buClr>
+                <a:schemeClr val="accent6"/>
+              </a:buClr>
+              <a:buSzPct val="90000"/>
+              <a:buFont typeface="Wingdings" panose="05000000000000000000" pitchFamily="2" charset="2"/>
+              <a:buChar char="§"/>
+              <a:defRPr sz="1600" kern="1200">
+                <a:solidFill>
+                  <a:schemeClr val="tx1"/>
+                </a:solidFill>
+                <a:effectLst/>
+                <a:latin typeface="+mn-lt"/>
+                <a:ea typeface="+mn-ea"/>
+                <a:cs typeface="+mn-cs"/>
+              </a:defRPr>
+            </a:lvl3pPr>
+            <a:lvl4pPr marL="1709738" indent="-338138" algn="l" defTabSz="914400" rtl="0" eaLnBrk="1" latinLnBrk="0" hangingPunct="1">
+              <a:lnSpc>
+                <a:spcPct val="120000"/>
+              </a:lnSpc>
+              <a:spcBef>
+                <a:spcPts val="500"/>
+              </a:spcBef>
+              <a:spcAft>
+                <a:spcPts val="600"/>
+              </a:spcAft>
+              <a:buClr>
+                <a:schemeClr val="accent6"/>
+              </a:buClr>
+              <a:buSzPct val="90000"/>
+              <a:buFont typeface="Wingdings" panose="05000000000000000000" pitchFamily="2" charset="2"/>
+              <a:buChar char="§"/>
+              <a:defRPr sz="1400" kern="1200">
+                <a:solidFill>
+                  <a:schemeClr val="tx1"/>
+                </a:solidFill>
+                <a:effectLst/>
+                <a:latin typeface="+mn-lt"/>
+                <a:ea typeface="+mn-ea"/>
+                <a:cs typeface="+mn-cs"/>
+              </a:defRPr>
+            </a:lvl4pPr>
+            <a:lvl5pPr marL="2173288" indent="-344488" algn="l" defTabSz="914400" rtl="0" eaLnBrk="1" latinLnBrk="0" hangingPunct="1">
+              <a:lnSpc>
+                <a:spcPct val="120000"/>
+              </a:lnSpc>
+              <a:spcBef>
+                <a:spcPts val="500"/>
+              </a:spcBef>
+              <a:spcAft>
+                <a:spcPts val="600"/>
+              </a:spcAft>
+              <a:buClr>
+                <a:schemeClr val="accent6"/>
+              </a:buClr>
+              <a:buSzPct val="90000"/>
+              <a:buFont typeface="Wingdings" panose="05000000000000000000" pitchFamily="2" charset="2"/>
+              <a:buChar char="§"/>
+              <a:defRPr sz="1200" kern="1200">
+                <a:solidFill>
+                  <a:schemeClr val="tx1"/>
+                </a:solidFill>
+                <a:effectLst/>
+                <a:latin typeface="+mn-lt"/>
+                <a:ea typeface="+mn-ea"/>
+                <a:cs typeface="+mn-cs"/>
+              </a:defRPr>
+            </a:lvl5pPr>
+            <a:lvl6pPr marL="2642616" indent="-338328" algn="l" defTabSz="914400" rtl="0" eaLnBrk="1" latinLnBrk="0" hangingPunct="1">
+              <a:lnSpc>
+                <a:spcPct val="120000"/>
+              </a:lnSpc>
+              <a:spcBef>
+                <a:spcPts val="500"/>
+              </a:spcBef>
+              <a:spcAft>
+                <a:spcPts val="600"/>
+              </a:spcAft>
+              <a:buClr>
+                <a:schemeClr val="accent6"/>
+              </a:buClr>
+              <a:buSzPct val="90000"/>
+              <a:buFont typeface="Wingdings" panose="05000000000000000000" pitchFamily="2" charset="2"/>
+              <a:buChar char="§"/>
+              <a:defRPr sz="1200" kern="1200" baseline="0">
+                <a:solidFill>
+                  <a:schemeClr val="tx1"/>
+                </a:solidFill>
+                <a:effectLst/>
+                <a:latin typeface="+mn-lt"/>
+                <a:ea typeface="+mn-ea"/>
+                <a:cs typeface="+mn-cs"/>
+              </a:defRPr>
+            </a:lvl6pPr>
+            <a:lvl7pPr marL="3108960" indent="-338328" algn="l" defTabSz="914400" rtl="0" eaLnBrk="1" latinLnBrk="0" hangingPunct="1">
+              <a:lnSpc>
+                <a:spcPct val="120000"/>
+              </a:lnSpc>
+              <a:spcBef>
+                <a:spcPts val="500"/>
+              </a:spcBef>
+              <a:spcAft>
+                <a:spcPts val="600"/>
+              </a:spcAft>
+              <a:buClr>
+                <a:schemeClr val="accent6"/>
+              </a:buClr>
+              <a:buSzPct val="90000"/>
+              <a:buFont typeface="Wingdings" panose="05000000000000000000" pitchFamily="2" charset="2"/>
+              <a:buChar char="§"/>
+              <a:defRPr sz="1200" kern="1200" baseline="0">
+                <a:solidFill>
+                  <a:schemeClr val="tx1"/>
+                </a:solidFill>
+                <a:effectLst/>
+                <a:latin typeface="+mn-lt"/>
+                <a:ea typeface="+mn-ea"/>
+                <a:cs typeface="+mn-cs"/>
+              </a:defRPr>
+            </a:lvl7pPr>
+            <a:lvl8pPr marL="3575304" indent="-338328" algn="l" defTabSz="914400" rtl="0" eaLnBrk="1" latinLnBrk="0" hangingPunct="1">
+              <a:lnSpc>
+                <a:spcPct val="120000"/>
+              </a:lnSpc>
+              <a:spcBef>
+                <a:spcPts val="500"/>
+              </a:spcBef>
+              <a:spcAft>
+                <a:spcPts val="600"/>
+              </a:spcAft>
+              <a:buClr>
+                <a:schemeClr val="accent6"/>
+              </a:buClr>
+              <a:buSzPct val="90000"/>
+              <a:buFont typeface="Wingdings" panose="05000000000000000000" pitchFamily="2" charset="2"/>
+              <a:buChar char="§"/>
+              <a:defRPr sz="1200" kern="1200" baseline="0">
+                <a:solidFill>
+                  <a:schemeClr val="tx1"/>
+                </a:solidFill>
+                <a:effectLst/>
+                <a:latin typeface="+mn-lt"/>
+                <a:ea typeface="+mn-ea"/>
+                <a:cs typeface="+mn-cs"/>
+              </a:defRPr>
+            </a:lvl8pPr>
+            <a:lvl9pPr marL="4041648" indent="-338328" algn="l" defTabSz="914400" rtl="0" eaLnBrk="1" latinLnBrk="0" hangingPunct="1">
+              <a:lnSpc>
+                <a:spcPct val="120000"/>
+              </a:lnSpc>
+              <a:spcBef>
+                <a:spcPts val="500"/>
+              </a:spcBef>
+              <a:spcAft>
+                <a:spcPts val="600"/>
+              </a:spcAft>
+              <a:buClr>
+                <a:schemeClr val="accent6"/>
+              </a:buClr>
+              <a:buSzPct val="90000"/>
+              <a:buFont typeface="Wingdings" panose="05000000000000000000" pitchFamily="2" charset="2"/>
+              <a:buChar char="§"/>
+              <a:defRPr sz="1200" kern="1200" baseline="0">
+                <a:solidFill>
+                  <a:schemeClr val="tx1"/>
+                </a:solidFill>
+                <a:effectLst/>
+                <a:latin typeface="+mn-lt"/>
+                <a:ea typeface="+mn-ea"/>
+                <a:cs typeface="+mn-cs"/>
+              </a:defRPr>
+            </a:lvl9pPr>
+          </a:lstStyle>
+          <a:p>
+            <a:pPr marL="0" indent="0">
+              <a:buFont typeface="Wingdings" panose="05000000000000000000" pitchFamily="2" charset="2"/>
+              <a:buNone/>
+            </a:pPr>
+            <a:r>
+              <a:rPr lang="en-US" u="sng" dirty="0"/>
+              <a:t>Database Link</a:t>
+            </a:r>
+          </a:p>
+          <a:p>
+            <a:pPr marL="0" indent="0">
+              <a:buNone/>
+            </a:pPr>
+            <a:r>
+              <a:rPr lang="en-US" u="sng" dirty="0">
+                <a:hlinkClick r:id="rId3"/>
+              </a:rPr>
+              <a:t>http://59.148.6.210/pma</a:t>
+            </a:r>
+            <a:r>
+              <a:rPr lang="en-US" u="sng" dirty="0"/>
+              <a:t> </a:t>
+            </a:r>
+          </a:p>
+        </p:txBody>
+      </p:sp>
     </p:spTree>
     <p:extLst>
       <p:ext uri="{BB962C8B-B14F-4D97-AF65-F5344CB8AC3E}">
@@ -9208,6 +9587,371 @@
 </file>
 
 <file path=ppt/slides/slide3.xml><?xml version="1.0" encoding="utf-8"?>
+<p:sld xmlns:a="http://schemas.openxmlformats.org/drawingml/2006/main" xmlns:r="http://schemas.openxmlformats.org/officeDocument/2006/relationships" xmlns:p="http://schemas.openxmlformats.org/presentationml/2006/main">
+  <p:cSld>
+    <p:spTree>
+      <p:nvGrpSpPr>
+        <p:cNvPr id="1" name=""/>
+        <p:cNvGrpSpPr/>
+        <p:nvPr/>
+      </p:nvGrpSpPr>
+      <p:grpSpPr>
+        <a:xfrm>
+          <a:off x="0" y="0"/>
+          <a:ext cx="0" cy="0"/>
+          <a:chOff x="0" y="0"/>
+          <a:chExt cx="0" cy="0"/>
+        </a:xfrm>
+      </p:grpSpPr>
+      <p:pic>
+        <p:nvPicPr>
+          <p:cNvPr id="4" name="圖片 3">
+            <a:extLst>
+              <a:ext uri="{FF2B5EF4-FFF2-40B4-BE49-F238E27FC236}">
+                <a16:creationId xmlns:a16="http://schemas.microsoft.com/office/drawing/2014/main" id="{8A8797E3-346C-469D-BE98-1DDC76B6548B}"/>
+              </a:ext>
+            </a:extLst>
+          </p:cNvPr>
+          <p:cNvPicPr>
+            <a:picLocks noChangeAspect="1"/>
+          </p:cNvPicPr>
+          <p:nvPr/>
+        </p:nvPicPr>
+        <p:blipFill>
+          <a:blip r:embed="rId2"/>
+          <a:stretch>
+            <a:fillRect/>
+          </a:stretch>
+        </p:blipFill>
+        <p:spPr>
+          <a:xfrm>
+            <a:off x="1518082" y="2261025"/>
+            <a:ext cx="4705166" cy="4224112"/>
+          </a:xfrm>
+          <a:prstGeom prst="rect">
+            <a:avLst/>
+          </a:prstGeom>
+        </p:spPr>
+      </p:pic>
+      <p:pic>
+        <p:nvPicPr>
+          <p:cNvPr id="5" name="圖片 4">
+            <a:extLst>
+              <a:ext uri="{FF2B5EF4-FFF2-40B4-BE49-F238E27FC236}">
+                <a16:creationId xmlns:a16="http://schemas.microsoft.com/office/drawing/2014/main" id="{A6751813-650F-4BA6-A30E-7EEF2448C9E5}"/>
+              </a:ext>
+            </a:extLst>
+          </p:cNvPr>
+          <p:cNvPicPr>
+            <a:picLocks noChangeAspect="1"/>
+          </p:cNvPicPr>
+          <p:nvPr/>
+        </p:nvPicPr>
+        <p:blipFill>
+          <a:blip r:embed="rId3"/>
+          <a:stretch>
+            <a:fillRect/>
+          </a:stretch>
+        </p:blipFill>
+        <p:spPr>
+          <a:xfrm>
+            <a:off x="6374167" y="3790765"/>
+            <a:ext cx="6037719" cy="2181733"/>
+          </a:xfrm>
+          <a:prstGeom prst="rect">
+            <a:avLst/>
+          </a:prstGeom>
+        </p:spPr>
+      </p:pic>
+      <p:sp>
+        <p:nvSpPr>
+          <p:cNvPr id="6" name="內容版面配置區 2">
+            <a:extLst>
+              <a:ext uri="{FF2B5EF4-FFF2-40B4-BE49-F238E27FC236}">
+                <a16:creationId xmlns:a16="http://schemas.microsoft.com/office/drawing/2014/main" id="{5B5DA564-47D6-45F8-9CA1-D339B9585DC0}"/>
+              </a:ext>
+            </a:extLst>
+          </p:cNvPr>
+          <p:cNvSpPr txBox="1">
+            <a:spLocks/>
+          </p:cNvSpPr>
+          <p:nvPr/>
+        </p:nvSpPr>
+        <p:spPr>
+          <a:xfrm>
+            <a:off x="1817818" y="1413130"/>
+            <a:ext cx="7796540" cy="539957"/>
+          </a:xfrm>
+          <a:prstGeom prst="rect">
+            <a:avLst/>
+          </a:prstGeom>
+        </p:spPr>
+        <p:txBody>
+          <a:bodyPr vert="horz" lIns="91440" tIns="45720" rIns="91440" bIns="45720" rtlCol="0" anchor="ctr">
+            <a:normAutofit/>
+          </a:bodyPr>
+          <a:lstStyle>
+            <a:lvl1pPr marL="344488" indent="-344488" algn="l" defTabSz="914400" rtl="0" eaLnBrk="1" latinLnBrk="0" hangingPunct="1">
+              <a:lnSpc>
+                <a:spcPct val="120000"/>
+              </a:lnSpc>
+              <a:spcBef>
+                <a:spcPts val="1000"/>
+              </a:spcBef>
+              <a:spcAft>
+                <a:spcPts val="600"/>
+              </a:spcAft>
+              <a:buClr>
+                <a:schemeClr val="accent6"/>
+              </a:buClr>
+              <a:buSzPct val="90000"/>
+              <a:buFont typeface="Wingdings" panose="05000000000000000000" pitchFamily="2" charset="2"/>
+              <a:buChar char="§"/>
+              <a:defRPr sz="2000" kern="1200">
+                <a:solidFill>
+                  <a:schemeClr val="tx1"/>
+                </a:solidFill>
+                <a:effectLst/>
+                <a:latin typeface="+mn-lt"/>
+                <a:ea typeface="+mn-ea"/>
+                <a:cs typeface="+mn-cs"/>
+              </a:defRPr>
+            </a:lvl1pPr>
+            <a:lvl2pPr marL="795338" indent="-338138" algn="l" defTabSz="914400" rtl="0" eaLnBrk="1" latinLnBrk="0" hangingPunct="1">
+              <a:lnSpc>
+                <a:spcPct val="120000"/>
+              </a:lnSpc>
+              <a:spcBef>
+                <a:spcPts val="500"/>
+              </a:spcBef>
+              <a:spcAft>
+                <a:spcPts val="600"/>
+              </a:spcAft>
+              <a:buClr>
+                <a:schemeClr val="accent6"/>
+              </a:buClr>
+              <a:buSzPct val="90000"/>
+              <a:buFont typeface="Wingdings" panose="05000000000000000000" pitchFamily="2" charset="2"/>
+              <a:buChar char="§"/>
+              <a:defRPr sz="1800" kern="1200">
+                <a:solidFill>
+                  <a:schemeClr val="tx1"/>
+                </a:solidFill>
+                <a:effectLst/>
+                <a:latin typeface="+mn-lt"/>
+                <a:ea typeface="+mn-ea"/>
+                <a:cs typeface="+mn-cs"/>
+              </a:defRPr>
+            </a:lvl2pPr>
+            <a:lvl3pPr marL="1258888" indent="-344488" algn="l" defTabSz="914400" rtl="0" eaLnBrk="1" latinLnBrk="0" hangingPunct="1">
+              <a:lnSpc>
+                <a:spcPct val="120000"/>
+              </a:lnSpc>
+              <a:spcBef>
+                <a:spcPts val="500"/>
+              </a:spcBef>
+              <a:spcAft>
+                <a:spcPts val="600"/>
+              </a:spcAft>
+              <a:buClr>
+                <a:schemeClr val="accent6"/>
+              </a:buClr>
+              <a:buSzPct val="90000"/>
+              <a:buFont typeface="Wingdings" panose="05000000000000000000" pitchFamily="2" charset="2"/>
+              <a:buChar char="§"/>
+              <a:defRPr sz="1600" kern="1200">
+                <a:solidFill>
+                  <a:schemeClr val="tx1"/>
+                </a:solidFill>
+                <a:effectLst/>
+                <a:latin typeface="+mn-lt"/>
+                <a:ea typeface="+mn-ea"/>
+                <a:cs typeface="+mn-cs"/>
+              </a:defRPr>
+            </a:lvl3pPr>
+            <a:lvl4pPr marL="1709738" indent="-338138" algn="l" defTabSz="914400" rtl="0" eaLnBrk="1" latinLnBrk="0" hangingPunct="1">
+              <a:lnSpc>
+                <a:spcPct val="120000"/>
+              </a:lnSpc>
+              <a:spcBef>
+                <a:spcPts val="500"/>
+              </a:spcBef>
+              <a:spcAft>
+                <a:spcPts val="600"/>
+              </a:spcAft>
+              <a:buClr>
+                <a:schemeClr val="accent6"/>
+              </a:buClr>
+              <a:buSzPct val="90000"/>
+              <a:buFont typeface="Wingdings" panose="05000000000000000000" pitchFamily="2" charset="2"/>
+              <a:buChar char="§"/>
+              <a:defRPr sz="1400" kern="1200">
+                <a:solidFill>
+                  <a:schemeClr val="tx1"/>
+                </a:solidFill>
+                <a:effectLst/>
+                <a:latin typeface="+mn-lt"/>
+                <a:ea typeface="+mn-ea"/>
+                <a:cs typeface="+mn-cs"/>
+              </a:defRPr>
+            </a:lvl4pPr>
+            <a:lvl5pPr marL="2173288" indent="-344488" algn="l" defTabSz="914400" rtl="0" eaLnBrk="1" latinLnBrk="0" hangingPunct="1">
+              <a:lnSpc>
+                <a:spcPct val="120000"/>
+              </a:lnSpc>
+              <a:spcBef>
+                <a:spcPts val="500"/>
+              </a:spcBef>
+              <a:spcAft>
+                <a:spcPts val="600"/>
+              </a:spcAft>
+              <a:buClr>
+                <a:schemeClr val="accent6"/>
+              </a:buClr>
+              <a:buSzPct val="90000"/>
+              <a:buFont typeface="Wingdings" panose="05000000000000000000" pitchFamily="2" charset="2"/>
+              <a:buChar char="§"/>
+              <a:defRPr sz="1200" kern="1200">
+                <a:solidFill>
+                  <a:schemeClr val="tx1"/>
+                </a:solidFill>
+                <a:effectLst/>
+                <a:latin typeface="+mn-lt"/>
+                <a:ea typeface="+mn-ea"/>
+                <a:cs typeface="+mn-cs"/>
+              </a:defRPr>
+            </a:lvl5pPr>
+            <a:lvl6pPr marL="2642616" indent="-338328" algn="l" defTabSz="914400" rtl="0" eaLnBrk="1" latinLnBrk="0" hangingPunct="1">
+              <a:lnSpc>
+                <a:spcPct val="120000"/>
+              </a:lnSpc>
+              <a:spcBef>
+                <a:spcPts val="500"/>
+              </a:spcBef>
+              <a:spcAft>
+                <a:spcPts val="600"/>
+              </a:spcAft>
+              <a:buClr>
+                <a:schemeClr val="accent6"/>
+              </a:buClr>
+              <a:buSzPct val="90000"/>
+              <a:buFont typeface="Wingdings" panose="05000000000000000000" pitchFamily="2" charset="2"/>
+              <a:buChar char="§"/>
+              <a:defRPr sz="1200" kern="1200" baseline="0">
+                <a:solidFill>
+                  <a:schemeClr val="tx1"/>
+                </a:solidFill>
+                <a:effectLst/>
+                <a:latin typeface="+mn-lt"/>
+                <a:ea typeface="+mn-ea"/>
+                <a:cs typeface="+mn-cs"/>
+              </a:defRPr>
+            </a:lvl6pPr>
+            <a:lvl7pPr marL="3108960" indent="-338328" algn="l" defTabSz="914400" rtl="0" eaLnBrk="1" latinLnBrk="0" hangingPunct="1">
+              <a:lnSpc>
+                <a:spcPct val="120000"/>
+              </a:lnSpc>
+              <a:spcBef>
+                <a:spcPts val="500"/>
+              </a:spcBef>
+              <a:spcAft>
+                <a:spcPts val="600"/>
+              </a:spcAft>
+              <a:buClr>
+                <a:schemeClr val="accent6"/>
+              </a:buClr>
+              <a:buSzPct val="90000"/>
+              <a:buFont typeface="Wingdings" panose="05000000000000000000" pitchFamily="2" charset="2"/>
+              <a:buChar char="§"/>
+              <a:defRPr sz="1200" kern="1200" baseline="0">
+                <a:solidFill>
+                  <a:schemeClr val="tx1"/>
+                </a:solidFill>
+                <a:effectLst/>
+                <a:latin typeface="+mn-lt"/>
+                <a:ea typeface="+mn-ea"/>
+                <a:cs typeface="+mn-cs"/>
+              </a:defRPr>
+            </a:lvl7pPr>
+            <a:lvl8pPr marL="3575304" indent="-338328" algn="l" defTabSz="914400" rtl="0" eaLnBrk="1" latinLnBrk="0" hangingPunct="1">
+              <a:lnSpc>
+                <a:spcPct val="120000"/>
+              </a:lnSpc>
+              <a:spcBef>
+                <a:spcPts val="500"/>
+              </a:spcBef>
+              <a:spcAft>
+                <a:spcPts val="600"/>
+              </a:spcAft>
+              <a:buClr>
+                <a:schemeClr val="accent6"/>
+              </a:buClr>
+              <a:buSzPct val="90000"/>
+              <a:buFont typeface="Wingdings" panose="05000000000000000000" pitchFamily="2" charset="2"/>
+              <a:buChar char="§"/>
+              <a:defRPr sz="1200" kern="1200" baseline="0">
+                <a:solidFill>
+                  <a:schemeClr val="tx1"/>
+                </a:solidFill>
+                <a:effectLst/>
+                <a:latin typeface="+mn-lt"/>
+                <a:ea typeface="+mn-ea"/>
+                <a:cs typeface="+mn-cs"/>
+              </a:defRPr>
+            </a:lvl8pPr>
+            <a:lvl9pPr marL="4041648" indent="-338328" algn="l" defTabSz="914400" rtl="0" eaLnBrk="1" latinLnBrk="0" hangingPunct="1">
+              <a:lnSpc>
+                <a:spcPct val="120000"/>
+              </a:lnSpc>
+              <a:spcBef>
+                <a:spcPts val="500"/>
+              </a:spcBef>
+              <a:spcAft>
+                <a:spcPts val="600"/>
+              </a:spcAft>
+              <a:buClr>
+                <a:schemeClr val="accent6"/>
+              </a:buClr>
+              <a:buSzPct val="90000"/>
+              <a:buFont typeface="Wingdings" panose="05000000000000000000" pitchFamily="2" charset="2"/>
+              <a:buChar char="§"/>
+              <a:defRPr sz="1200" kern="1200" baseline="0">
+                <a:solidFill>
+                  <a:schemeClr val="tx1"/>
+                </a:solidFill>
+                <a:effectLst/>
+                <a:latin typeface="+mn-lt"/>
+                <a:ea typeface="+mn-ea"/>
+                <a:cs typeface="+mn-cs"/>
+              </a:defRPr>
+            </a:lvl9pPr>
+          </a:lstStyle>
+          <a:p>
+            <a:pPr marL="0" indent="0">
+              <a:buFont typeface="Wingdings" panose="05000000000000000000" pitchFamily="2" charset="2"/>
+              <a:buNone/>
+            </a:pPr>
+            <a:r>
+              <a:rPr lang="en-US" u="sng" dirty="0"/>
+              <a:t>Export Setting in PhpMyAdmin</a:t>
+            </a:r>
+          </a:p>
+        </p:txBody>
+      </p:sp>
+    </p:spTree>
+    <p:extLst>
+      <p:ext uri="{BB962C8B-B14F-4D97-AF65-F5344CB8AC3E}">
+        <p14:creationId xmlns:p14="http://schemas.microsoft.com/office/powerpoint/2010/main" val="1260815386"/>
+      </p:ext>
+    </p:extLst>
+  </p:cSld>
+  <p:clrMapOvr>
+    <a:masterClrMapping/>
+  </p:clrMapOvr>
+</p:sld>
+</file>
+
+<file path=ppt/slides/slide4.xml><?xml version="1.0" encoding="utf-8"?>
 <p:sld xmlns:a="http://schemas.openxmlformats.org/drawingml/2006/main" xmlns:r="http://schemas.openxmlformats.org/officeDocument/2006/relationships" xmlns:p="http://schemas.openxmlformats.org/presentationml/2006/main">
   <p:cSld>
     <p:spTree>
@@ -9402,7 +10146,7 @@
 </p:sld>
 </file>
 
-<file path=ppt/slides/slide4.xml><?xml version="1.0" encoding="utf-8"?>
+<file path=ppt/slides/slide5.xml><?xml version="1.0" encoding="utf-8"?>
 <p:sld xmlns:a="http://schemas.openxmlformats.org/drawingml/2006/main" xmlns:r="http://schemas.openxmlformats.org/officeDocument/2006/relationships" xmlns:p="http://schemas.openxmlformats.org/presentationml/2006/main">
   <p:cSld>
     <p:spTree>
@@ -9529,7 +10273,7 @@
 </p:sld>
 </file>
 
-<file path=ppt/slides/slide5.xml><?xml version="1.0" encoding="utf-8"?>
+<file path=ppt/slides/slide6.xml><?xml version="1.0" encoding="utf-8"?>
 <p:sld xmlns:a="http://schemas.openxmlformats.org/drawingml/2006/main" xmlns:r="http://schemas.openxmlformats.org/officeDocument/2006/relationships" xmlns:p="http://schemas.openxmlformats.org/presentationml/2006/main">
   <p:cSld>
     <p:spTree>
@@ -9714,98 +10458,6 @@
 </p:sld>
 </file>
 
-<file path=ppt/slides/slide6.xml><?xml version="1.0" encoding="utf-8"?>
-<p:sld xmlns:a="http://schemas.openxmlformats.org/drawingml/2006/main" xmlns:r="http://schemas.openxmlformats.org/officeDocument/2006/relationships" xmlns:p="http://schemas.openxmlformats.org/presentationml/2006/main">
-  <p:cSld>
-    <p:spTree>
-      <p:nvGrpSpPr>
-        <p:cNvPr id="1" name=""/>
-        <p:cNvGrpSpPr/>
-        <p:nvPr/>
-      </p:nvGrpSpPr>
-      <p:grpSpPr>
-        <a:xfrm>
-          <a:off x="0" y="0"/>
-          <a:ext cx="0" cy="0"/>
-          <a:chOff x="0" y="0"/>
-          <a:chExt cx="0" cy="0"/>
-        </a:xfrm>
-      </p:grpSpPr>
-      <p:sp>
-        <p:nvSpPr>
-          <p:cNvPr id="2" name="標題 1">
-            <a:extLst>
-              <a:ext uri="{FF2B5EF4-FFF2-40B4-BE49-F238E27FC236}">
-                <a16:creationId xmlns:a16="http://schemas.microsoft.com/office/drawing/2014/main" id="{B38C2B6A-86F2-4FDF-A0C9-6E2BF5F4409B}"/>
-              </a:ext>
-            </a:extLst>
-          </p:cNvPr>
-          <p:cNvSpPr>
-            <a:spLocks noGrp="1"/>
-          </p:cNvSpPr>
-          <p:nvPr>
-            <p:ph type="title"/>
-          </p:nvPr>
-        </p:nvSpPr>
-        <p:spPr/>
-        <p:txBody>
-          <a:bodyPr/>
-          <a:lstStyle/>
-          <a:p>
-            <a:r>
-              <a:rPr lang="en-US" dirty="0"/>
-              <a:t>Agile project planning</a:t>
-            </a:r>
-          </a:p>
-        </p:txBody>
-      </p:sp>
-      <p:sp>
-        <p:nvSpPr>
-          <p:cNvPr id="3" name="內容版面配置區 2">
-            <a:extLst>
-              <a:ext uri="{FF2B5EF4-FFF2-40B4-BE49-F238E27FC236}">
-                <a16:creationId xmlns:a16="http://schemas.microsoft.com/office/drawing/2014/main" id="{78972792-7B69-4281-9718-7848F331358E}"/>
-              </a:ext>
-            </a:extLst>
-          </p:cNvPr>
-          <p:cNvSpPr>
-            <a:spLocks noGrp="1"/>
-          </p:cNvSpPr>
-          <p:nvPr>
-            <p:ph idx="1"/>
-          </p:nvPr>
-        </p:nvSpPr>
-        <p:spPr/>
-        <p:txBody>
-          <a:bodyPr/>
-          <a:lstStyle/>
-          <a:p>
-            <a:pPr marL="344170" indent="-344170"/>
-            <a:r>
-              <a:rPr lang="en-US" u="sng" dirty="0">
-                <a:hlinkClick r:id="rId2"/>
-              </a:rPr>
-              <a:t>Agile project planning</a:t>
-            </a:r>
-            <a:endParaRPr lang="en-US" dirty="0">
-              <a:hlinkClick r:id="rId3"/>
-            </a:endParaRPr>
-          </a:p>
-        </p:txBody>
-      </p:sp>
-    </p:spTree>
-    <p:extLst>
-      <p:ext uri="{BB962C8B-B14F-4D97-AF65-F5344CB8AC3E}">
-        <p14:creationId xmlns:p14="http://schemas.microsoft.com/office/powerpoint/2010/main" val="1622195306"/>
-      </p:ext>
-    </p:extLst>
-  </p:cSld>
-  <p:clrMapOvr>
-    <a:masterClrMapping/>
-  </p:clrMapOvr>
-</p:sld>
-</file>
-
 <file path=ppt/slides/slide7.xml><?xml version="1.0" encoding="utf-8"?>
 <p:sld xmlns:a="http://schemas.openxmlformats.org/drawingml/2006/main" xmlns:r="http://schemas.openxmlformats.org/officeDocument/2006/relationships" xmlns:p="http://schemas.openxmlformats.org/presentationml/2006/main">
   <p:cSld>
@@ -9825,81 +10477,70 @@
       </p:grpSpPr>
       <p:sp>
         <p:nvSpPr>
-          <p:cNvPr id="4" name="標題 1">
+          <p:cNvPr id="2" name="標題 1">
             <a:extLst>
               <a:ext uri="{FF2B5EF4-FFF2-40B4-BE49-F238E27FC236}">
-                <a16:creationId xmlns:a16="http://schemas.microsoft.com/office/drawing/2014/main" id="{1A980052-AF7B-48EA-93C7-495A64A58DFF}"/>
+                <a16:creationId xmlns:a16="http://schemas.microsoft.com/office/drawing/2014/main" id="{B38C2B6A-86F2-4FDF-A0C9-6E2BF5F4409B}"/>
               </a:ext>
             </a:extLst>
           </p:cNvPr>
-          <p:cNvSpPr txBox="1">
-            <a:spLocks/>
-          </p:cNvSpPr>
-          <p:nvPr/>
-        </p:nvSpPr>
-        <p:spPr>
-          <a:xfrm>
-            <a:off x="1877404" y="2743198"/>
-            <a:ext cx="8437192" cy="2268559"/>
-          </a:xfrm>
-          <a:prstGeom prst="rect">
-            <a:avLst/>
-          </a:prstGeom>
-        </p:spPr>
-        <p:txBody>
-          <a:bodyPr vert="horz" lIns="91440" tIns="45720" rIns="91440" bIns="45720" rtlCol="0" anchor="t">
-            <a:normAutofit/>
-          </a:bodyPr>
-          <a:lstStyle>
-            <a:lvl1pPr algn="r" defTabSz="914400" rtl="0" eaLnBrk="1" latinLnBrk="0" hangingPunct="1">
-              <a:lnSpc>
-                <a:spcPct val="90000"/>
-              </a:lnSpc>
-              <a:spcBef>
-                <a:spcPct val="0"/>
-              </a:spcBef>
-              <a:buNone/>
-              <a:defRPr sz="3400" b="0" i="0" kern="1200" cap="none">
-                <a:solidFill>
-                  <a:schemeClr val="tx1"/>
-                </a:solidFill>
-                <a:effectLst/>
-                <a:latin typeface="+mj-lt"/>
-                <a:ea typeface="+mj-ea"/>
-                <a:cs typeface="+mj-cs"/>
-              </a:defRPr>
-            </a:lvl1pPr>
-          </a:lstStyle>
-          <a:p>
-            <a:pPr algn="ctr"/>
-            <a:r>
-              <a:rPr lang="en-US" altLang="zh-TW" sz="4400" dirty="0"/>
-              <a:t>End</a:t>
-            </a:r>
-            <a:r>
-              <a:rPr lang="zh-TW" altLang="en-US" sz="4400" dirty="0"/>
-              <a:t> </a:t>
-            </a:r>
-            <a:r>
-              <a:rPr lang="en-US" altLang="zh-TW" sz="4400" dirty="0"/>
-              <a:t>of</a:t>
-            </a:r>
-            <a:r>
-              <a:rPr lang="zh-TW" altLang="en-US" sz="4400" dirty="0"/>
-              <a:t> </a:t>
-            </a:r>
-            <a:r>
-              <a:rPr lang="en-US" altLang="zh-TW" sz="4400" dirty="0"/>
-              <a:t>Midpoint Submission</a:t>
-            </a:r>
-            <a:endParaRPr lang="en-US" sz="4400" dirty="0"/>
+          <p:cNvSpPr>
+            <a:spLocks noGrp="1"/>
+          </p:cNvSpPr>
+          <p:nvPr>
+            <p:ph type="title"/>
+          </p:nvPr>
+        </p:nvSpPr>
+        <p:spPr/>
+        <p:txBody>
+          <a:bodyPr/>
+          <a:lstStyle/>
+          <a:p>
+            <a:r>
+              <a:rPr lang="en-US" dirty="0"/>
+              <a:t>Agile project planning</a:t>
+            </a:r>
+          </a:p>
+        </p:txBody>
+      </p:sp>
+      <p:sp>
+        <p:nvSpPr>
+          <p:cNvPr id="3" name="內容版面配置區 2">
+            <a:extLst>
+              <a:ext uri="{FF2B5EF4-FFF2-40B4-BE49-F238E27FC236}">
+                <a16:creationId xmlns:a16="http://schemas.microsoft.com/office/drawing/2014/main" id="{78972792-7B69-4281-9718-7848F331358E}"/>
+              </a:ext>
+            </a:extLst>
+          </p:cNvPr>
+          <p:cNvSpPr>
+            <a:spLocks noGrp="1"/>
+          </p:cNvSpPr>
+          <p:nvPr>
+            <p:ph idx="1"/>
+          </p:nvPr>
+        </p:nvSpPr>
+        <p:spPr/>
+        <p:txBody>
+          <a:bodyPr/>
+          <a:lstStyle/>
+          <a:p>
+            <a:pPr marL="344170" indent="-344170"/>
+            <a:r>
+              <a:rPr lang="en-US" u="sng" dirty="0">
+                <a:hlinkClick r:id="rId2"/>
+              </a:rPr>
+              <a:t>Agile project planning</a:t>
+            </a:r>
+            <a:endParaRPr lang="en-US" dirty="0">
+              <a:hlinkClick r:id="rId3"/>
+            </a:endParaRPr>
           </a:p>
         </p:txBody>
       </p:sp>
     </p:spTree>
     <p:extLst>
       <p:ext uri="{BB962C8B-B14F-4D97-AF65-F5344CB8AC3E}">
-        <p14:creationId xmlns:p14="http://schemas.microsoft.com/office/powerpoint/2010/main" val="898148644"/>
+        <p14:creationId xmlns:p14="http://schemas.microsoft.com/office/powerpoint/2010/main" val="1622195306"/>
       </p:ext>
     </p:extLst>
   </p:cSld>
@@ -9928,107 +10569,81 @@
       </p:grpSpPr>
       <p:sp>
         <p:nvSpPr>
-          <p:cNvPr id="2" name="標題 1">
+          <p:cNvPr id="4" name="標題 1">
             <a:extLst>
               <a:ext uri="{FF2B5EF4-FFF2-40B4-BE49-F238E27FC236}">
-                <a16:creationId xmlns:a16="http://schemas.microsoft.com/office/drawing/2014/main" id="{17F1CDD5-C66E-4EF8-B06E-52A681DC96E2}"/>
+                <a16:creationId xmlns:a16="http://schemas.microsoft.com/office/drawing/2014/main" id="{1A980052-AF7B-48EA-93C7-495A64A58DFF}"/>
               </a:ext>
             </a:extLst>
           </p:cNvPr>
-          <p:cNvSpPr>
-            <a:spLocks noGrp="1"/>
-          </p:cNvSpPr>
-          <p:nvPr>
-            <p:ph type="title"/>
-          </p:nvPr>
-        </p:nvSpPr>
-        <p:spPr/>
-        <p:txBody>
-          <a:bodyPr/>
-          <a:lstStyle/>
-          <a:p>
-            <a:r>
-              <a:rPr lang="en-US" dirty="0"/>
-              <a:t>Project Charter</a:t>
-            </a:r>
-          </a:p>
-        </p:txBody>
-      </p:sp>
-      <p:sp>
-        <p:nvSpPr>
-          <p:cNvPr id="7" name="內容版面配置區 6">
-            <a:extLst>
-              <a:ext uri="{FF2B5EF4-FFF2-40B4-BE49-F238E27FC236}">
-                <a16:creationId xmlns:a16="http://schemas.microsoft.com/office/drawing/2014/main" id="{F8EFEDB0-095E-45F4-9AD3-71B5537C02CD}"/>
-              </a:ext>
-            </a:extLst>
-          </p:cNvPr>
-          <p:cNvSpPr>
-            <a:spLocks noGrp="1"/>
-          </p:cNvSpPr>
-          <p:nvPr>
-            <p:ph idx="1"/>
-          </p:nvPr>
+          <p:cNvSpPr txBox="1">
+            <a:spLocks/>
+          </p:cNvSpPr>
+          <p:nvPr/>
         </p:nvSpPr>
         <p:spPr>
           <a:xfrm>
-            <a:off x="2041451" y="1885285"/>
-            <a:ext cx="8995144" cy="4621841"/>
+            <a:off x="1877404" y="2743198"/>
+            <a:ext cx="8437192" cy="2268559"/>
           </a:xfrm>
+          <a:prstGeom prst="rect">
+            <a:avLst/>
+          </a:prstGeom>
         </p:spPr>
         <p:txBody>
-          <a:bodyPr>
+          <a:bodyPr vert="horz" lIns="91440" tIns="45720" rIns="91440" bIns="45720" rtlCol="0" anchor="t">
             <a:normAutofit/>
           </a:bodyPr>
-          <a:lstStyle/>
-          <a:p>
-            <a:r>
-              <a:rPr lang="en-US" dirty="0"/>
-              <a:t>Project Name: Organic Food Online Stores</a:t>
-            </a:r>
-          </a:p>
-          <a:p>
-            <a:r>
-              <a:rPr lang="en-US" dirty="0"/>
-              <a:t>Project Champion: Complete Web System and send EDI request to logistic and manufacturer team</a:t>
-            </a:r>
-          </a:p>
-          <a:p>
-            <a:r>
-              <a:rPr lang="en-US" dirty="0"/>
-              <a:t>Project Sponsor: n/a</a:t>
-            </a:r>
-          </a:p>
-          <a:p>
-            <a:r>
-              <a:rPr lang="en-US" dirty="0"/>
-              <a:t>Project Manager: Philip Hui</a:t>
-            </a:r>
-          </a:p>
-          <a:p>
-            <a:r>
-              <a:rPr lang="en-US" dirty="0"/>
-              <a:t>Stakeholder: Logistic Team, Manufacturer Team, Online Retailer Team</a:t>
-            </a:r>
-          </a:p>
-          <a:p>
-            <a:r>
-              <a:rPr lang="en-US" dirty="0"/>
-              <a:t>Expected Start Date: 1 Mar, 2019</a:t>
-            </a:r>
-          </a:p>
-          <a:p>
-            <a:r>
-              <a:rPr lang="en-US" dirty="0"/>
-              <a:t>Expected End Date: 1 Apr, 2019</a:t>
-            </a:r>
+          <a:lstStyle>
+            <a:lvl1pPr algn="r" defTabSz="914400" rtl="0" eaLnBrk="1" latinLnBrk="0" hangingPunct="1">
+              <a:lnSpc>
+                <a:spcPct val="90000"/>
+              </a:lnSpc>
+              <a:spcBef>
+                <a:spcPct val="0"/>
+              </a:spcBef>
+              <a:buNone/>
+              <a:defRPr sz="3400" b="0" i="0" kern="1200" cap="none">
+                <a:solidFill>
+                  <a:schemeClr val="tx1"/>
+                </a:solidFill>
+                <a:effectLst/>
+                <a:latin typeface="+mj-lt"/>
+                <a:ea typeface="+mj-ea"/>
+                <a:cs typeface="+mj-cs"/>
+              </a:defRPr>
+            </a:lvl1pPr>
+          </a:lstStyle>
+          <a:p>
+            <a:pPr algn="ctr"/>
+            <a:r>
+              <a:rPr lang="en-US" altLang="zh-TW" sz="4400" dirty="0"/>
+              <a:t>End</a:t>
+            </a:r>
+            <a:r>
+              <a:rPr lang="zh-TW" altLang="en-US" sz="4400" dirty="0"/>
+              <a:t> </a:t>
+            </a:r>
+            <a:r>
+              <a:rPr lang="en-US" altLang="zh-TW" sz="4400" dirty="0"/>
+              <a:t>of</a:t>
+            </a:r>
+            <a:r>
+              <a:rPr lang="zh-TW" altLang="en-US" sz="4400" dirty="0"/>
+              <a:t> </a:t>
+            </a:r>
+            <a:r>
+              <a:rPr lang="en-US" altLang="zh-TW" sz="4400" dirty="0"/>
+              <a:t>Midpoint Submission</a:t>
+            </a:r>
+            <a:endParaRPr lang="en-US" sz="4400" dirty="0"/>
           </a:p>
         </p:txBody>
       </p:sp>
     </p:spTree>
     <p:extLst>
       <p:ext uri="{BB962C8B-B14F-4D97-AF65-F5344CB8AC3E}">
-        <p14:creationId xmlns:p14="http://schemas.microsoft.com/office/powerpoint/2010/main" val="702045019"/>
+        <p14:creationId xmlns:p14="http://schemas.microsoft.com/office/powerpoint/2010/main" val="898148644"/>
       </p:ext>
     </p:extLst>
   </p:cSld>
@@ -10060,7 +10675,7 @@
           <p:cNvPr id="2" name="標題 1">
             <a:extLst>
               <a:ext uri="{FF2B5EF4-FFF2-40B4-BE49-F238E27FC236}">
-                <a16:creationId xmlns:a16="http://schemas.microsoft.com/office/drawing/2014/main" id="{07BD11B5-98A9-4143-B05F-A0B33F86314E}"/>
+                <a16:creationId xmlns:a16="http://schemas.microsoft.com/office/drawing/2014/main" id="{17F1CDD5-C66E-4EF8-B06E-52A681DC96E2}"/>
               </a:ext>
             </a:extLst>
           </p:cNvPr>
@@ -10078,45 +10693,86 @@
           <a:p>
             <a:r>
               <a:rPr lang="en-US" dirty="0"/>
-              <a:t>Project Plan</a:t>
-            </a:r>
-          </a:p>
-        </p:txBody>
-      </p:sp>
-      <p:pic>
-        <p:nvPicPr>
-          <p:cNvPr id="8" name="圖片 7">
+              <a:t>Project Charter</a:t>
+            </a:r>
+          </a:p>
+        </p:txBody>
+      </p:sp>
+      <p:sp>
+        <p:nvSpPr>
+          <p:cNvPr id="7" name="內容版面配置區 6">
             <a:extLst>
               <a:ext uri="{FF2B5EF4-FFF2-40B4-BE49-F238E27FC236}">
-                <a16:creationId xmlns:a16="http://schemas.microsoft.com/office/drawing/2014/main" id="{DFB2A8FD-CDBB-4947-9567-C1AD7DEC7D02}"/>
+                <a16:creationId xmlns:a16="http://schemas.microsoft.com/office/drawing/2014/main" id="{F8EFEDB0-095E-45F4-9AD3-71B5537C02CD}"/>
               </a:ext>
             </a:extLst>
           </p:cNvPr>
-          <p:cNvPicPr>
-            <a:picLocks noChangeAspect="1"/>
-          </p:cNvPicPr>
-          <p:nvPr/>
-        </p:nvPicPr>
-        <p:blipFill>
-          <a:blip r:embed="rId2"/>
-          <a:stretch>
-            <a:fillRect/>
-          </a:stretch>
-        </p:blipFill>
+          <p:cNvSpPr>
+            <a:spLocks noGrp="1"/>
+          </p:cNvSpPr>
+          <p:nvPr>
+            <p:ph idx="1"/>
+          </p:nvPr>
+        </p:nvSpPr>
         <p:spPr>
           <a:xfrm>
-            <a:off x="1380903" y="1885285"/>
-            <a:ext cx="10434038" cy="4164659"/>
+            <a:off x="2041451" y="1885285"/>
+            <a:ext cx="8995144" cy="4621841"/>
           </a:xfrm>
-          <a:prstGeom prst="rect">
-            <a:avLst/>
-          </a:prstGeom>
         </p:spPr>
-      </p:pic>
+        <p:txBody>
+          <a:bodyPr>
+            <a:normAutofit/>
+          </a:bodyPr>
+          <a:lstStyle/>
+          <a:p>
+            <a:r>
+              <a:rPr lang="en-US" dirty="0"/>
+              <a:t>Project Name: Organic Food Online Stores</a:t>
+            </a:r>
+          </a:p>
+          <a:p>
+            <a:r>
+              <a:rPr lang="en-US" dirty="0"/>
+              <a:t>Project Champion: Complete Web System and send EDI request to logistic and manufacturer team</a:t>
+            </a:r>
+          </a:p>
+          <a:p>
+            <a:r>
+              <a:rPr lang="en-US" dirty="0"/>
+              <a:t>Project Sponsor: n/a</a:t>
+            </a:r>
+          </a:p>
+          <a:p>
+            <a:r>
+              <a:rPr lang="en-US" dirty="0"/>
+              <a:t>Project Manager: Philip Hui</a:t>
+            </a:r>
+          </a:p>
+          <a:p>
+            <a:r>
+              <a:rPr lang="en-US" dirty="0"/>
+              <a:t>Stakeholder: Logistic Team, Manufacturer Team, Online Retailer Team</a:t>
+            </a:r>
+          </a:p>
+          <a:p>
+            <a:r>
+              <a:rPr lang="en-US" dirty="0"/>
+              <a:t>Expected Start Date: 1 Mar, 2019</a:t>
+            </a:r>
+          </a:p>
+          <a:p>
+            <a:r>
+              <a:rPr lang="en-US" dirty="0"/>
+              <a:t>Expected End Date: 1 Apr, 2019</a:t>
+            </a:r>
+          </a:p>
+        </p:txBody>
+      </p:sp>
     </p:spTree>
     <p:extLst>
       <p:ext uri="{BB962C8B-B14F-4D97-AF65-F5344CB8AC3E}">
-        <p14:creationId xmlns:p14="http://schemas.microsoft.com/office/powerpoint/2010/main" val="656241323"/>
+        <p14:creationId xmlns:p14="http://schemas.microsoft.com/office/powerpoint/2010/main" val="702045019"/>
       </p:ext>
     </p:extLst>
   </p:cSld>
